--- a/Projeto VEK - GIT 4 VEK.pptx
+++ b/Projeto VEK - GIT 4 VEK.pptx
@@ -49,6 +49,7 @@
     <p:sldId id="278" r:id="rId43"/>
     <p:sldId id="279" r:id="rId44"/>
     <p:sldId id="277" r:id="rId45"/>
+    <p:sldId id="306" r:id="rId46"/>
   </p:sldIdLst>
   <p:sldSz cx="12192000" cy="6858000"/>
   <p:notesSz cx="6858000" cy="9144000"/>
@@ -14081,14 +14082,14 @@
             <p:ph idx="1"/>
             <p:extLst>
               <p:ext uri="{D42A27DB-BD31-4B8C-83A1-F6EECF244321}">
-                <p14:modId xmlns:p14="http://schemas.microsoft.com/office/powerpoint/2010/main" val="2574585432"/>
+                <p14:modId xmlns:p14="http://schemas.microsoft.com/office/powerpoint/2010/main" val="845458358"/>
               </p:ext>
             </p:extLst>
           </p:nvPr>
         </p:nvGraphicFramePr>
         <p:xfrm>
           <a:off x="190500" y="1846263"/>
-          <a:ext cx="11346960" cy="2311400"/>
+          <a:ext cx="11837370" cy="4709160"/>
         </p:xfrm>
         <a:graphic>
           <a:graphicData uri="http://schemas.openxmlformats.org/drawingml/2006/table">
@@ -14097,7 +14098,7 @@
                 <a:tableStyleId>{85BE263C-DBD7-4A20-BB59-AAB30ACAA65A}</a:tableStyleId>
               </a:tblPr>
               <a:tblGrid>
-                <a:gridCol w="804228">
+                <a:gridCol w="1027430">
                   <a:extLst>
                     <a:ext uri="{9D8B030D-6E8A-4147-A177-3AD203B41FA5}">
                       <a16:colId xmlns:a16="http://schemas.microsoft.com/office/drawing/2014/main" val="3663984287"/>
@@ -14111,7 +14112,7 @@
                     </a:ext>
                   </a:extLst>
                 </a:gridCol>
-                <a:gridCol w="802005">
+                <a:gridCol w="1069213">
                   <a:extLst>
                     <a:ext uri="{9D8B030D-6E8A-4147-A177-3AD203B41FA5}">
                       <a16:colId xmlns:a16="http://schemas.microsoft.com/office/drawing/2014/main" val="1079199"/>
@@ -15017,6 +15018,13 @@
                       <a:pPr algn="ctr"/>
                       <a:r>
                         <a:rPr lang="en-US" sz="1200" dirty="0"/>
+                        <a:t>$2/User</a:t>
+                      </a:r>
+                    </a:p>
+                    <a:p>
+                      <a:pPr algn="ctr"/>
+                      <a:r>
+                        <a:rPr lang="en-US" sz="1200" dirty="0"/>
                         <a:t>$5/User</a:t>
                       </a:r>
                       <a:endParaRPr lang="pt-BR" sz="1200" dirty="0"/>
@@ -15467,6 +15475,10 @@
                     <a:bodyPr/>
                     <a:lstStyle/>
                     <a:p>
+                      <a:r>
+                        <a:rPr lang="pt-BR" sz="1200" dirty="0" err="1"/>
+                        <a:t>CodeCommit</a:t>
+                      </a:r>
                       <a:endParaRPr lang="pt-BR" sz="1200" dirty="0"/>
                     </a:p>
                   </a:txBody>
@@ -15489,17 +15501,34 @@
                     <a:lstStyle/>
                     <a:p>
                       <a:pPr algn="ctr"/>
+                      <a:r>
+                        <a:rPr lang="pt-BR" sz="1200" dirty="0"/>
+                        <a:t>5 </a:t>
+                      </a:r>
+                      <a:r>
+                        <a:rPr lang="pt-BR" sz="1200" dirty="0" err="1"/>
+                        <a:t>Free</a:t>
+                      </a:r>
+                      <a:r>
+                        <a:rPr lang="pt-BR" sz="1200" dirty="0"/>
+                        <a:t> </a:t>
+                      </a:r>
+                      <a:r>
+                        <a:rPr lang="pt-BR" sz="1200" dirty="0" err="1"/>
+                        <a:t>User</a:t>
+                      </a:r>
                       <a:endParaRPr lang="pt-BR" sz="1200" dirty="0"/>
                     </a:p>
-                  </a:txBody>
-                  <a:tcPr/>
-                </a:tc>
-                <a:tc>
-                  <a:txBody>
-                    <a:bodyPr/>
-                    <a:lstStyle/>
-                    <a:p>
-                      <a:pPr algn="ctr"/>
+                    <a:p>
+                      <a:pPr algn="ctr"/>
+                      <a:r>
+                        <a:rPr lang="pt-BR" sz="1200" dirty="0"/>
+                        <a:t>$1/Extra </a:t>
+                      </a:r>
+                      <a:r>
+                        <a:rPr lang="pt-BR" sz="1200" dirty="0" err="1"/>
+                        <a:t>User</a:t>
+                      </a:r>
                       <a:endParaRPr lang="pt-BR" sz="1200" dirty="0"/>
                     </a:p>
                   </a:txBody>
@@ -15512,6 +15541,20 @@
                     <a:p>
                       <a:pPr algn="ctr"/>
                       <a:endParaRPr lang="pt-BR" sz="1200" dirty="0"/>
+                    </a:p>
+                  </a:txBody>
+                  <a:tcPr/>
+                </a:tc>
+                <a:tc>
+                  <a:txBody>
+                    <a:bodyPr/>
+                    <a:lstStyle/>
+                    <a:p>
+                      <a:pPr algn="ctr"/>
+                      <a:r>
+                        <a:rPr lang="pt-BR" sz="1200" dirty="0"/>
+                        <a:t>x</a:t>
+                      </a:r>
                     </a:p>
                   </a:txBody>
                   <a:tcPr/>
@@ -15651,6 +15694,1226 @@
                 <a:extLst>
                   <a:ext uri="{0D108BD9-81ED-4DB2-BD59-A6C34878D82A}">
                     <a16:rowId xmlns:a16="http://schemas.microsoft.com/office/drawing/2014/main" val="3304390718"/>
+                  </a:ext>
+                </a:extLst>
+              </a:tr>
+              <a:tr h="370840">
+                <a:tc>
+                  <a:txBody>
+                    <a:bodyPr/>
+                    <a:lstStyle/>
+                    <a:p>
+                      <a:r>
+                        <a:rPr lang="pt-BR" sz="1200" dirty="0"/>
+                        <a:t>Google </a:t>
+                      </a:r>
+                      <a:r>
+                        <a:rPr lang="pt-BR" sz="1200" dirty="0" err="1"/>
+                        <a:t>Code</a:t>
+                      </a:r>
+                      <a:endParaRPr lang="pt-BR" sz="1200" dirty="0"/>
+                    </a:p>
+                  </a:txBody>
+                  <a:tcPr/>
+                </a:tc>
+                <a:tc>
+                  <a:txBody>
+                    <a:bodyPr/>
+                    <a:lstStyle/>
+                    <a:p>
+                      <a:pPr algn="ctr"/>
+                      <a:endParaRPr lang="pt-BR" sz="1200"/>
+                    </a:p>
+                  </a:txBody>
+                  <a:tcPr/>
+                </a:tc>
+                <a:tc>
+                  <a:txBody>
+                    <a:bodyPr/>
+                    <a:lstStyle/>
+                    <a:p>
+                      <a:pPr algn="ctr"/>
+                      <a:endParaRPr lang="pt-BR" sz="1200" dirty="0"/>
+                    </a:p>
+                  </a:txBody>
+                  <a:tcPr/>
+                </a:tc>
+                <a:tc>
+                  <a:txBody>
+                    <a:bodyPr/>
+                    <a:lstStyle/>
+                    <a:p>
+                      <a:pPr algn="ctr"/>
+                      <a:endParaRPr lang="pt-BR" sz="1200" dirty="0"/>
+                    </a:p>
+                  </a:txBody>
+                  <a:tcPr/>
+                </a:tc>
+                <a:tc>
+                  <a:txBody>
+                    <a:bodyPr/>
+                    <a:lstStyle/>
+                    <a:p>
+                      <a:pPr algn="ctr"/>
+                      <a:endParaRPr lang="pt-BR" sz="1200" dirty="0"/>
+                    </a:p>
+                  </a:txBody>
+                  <a:tcPr/>
+                </a:tc>
+                <a:tc>
+                  <a:txBody>
+                    <a:bodyPr/>
+                    <a:lstStyle/>
+                    <a:p>
+                      <a:pPr algn="ctr"/>
+                      <a:endParaRPr lang="pt-BR" sz="1200" dirty="0"/>
+                    </a:p>
+                  </a:txBody>
+                  <a:tcPr/>
+                </a:tc>
+                <a:tc>
+                  <a:txBody>
+                    <a:bodyPr/>
+                    <a:lstStyle/>
+                    <a:p>
+                      <a:pPr algn="ctr"/>
+                      <a:endParaRPr lang="pt-BR" sz="1200" dirty="0"/>
+                    </a:p>
+                  </a:txBody>
+                  <a:tcPr/>
+                </a:tc>
+                <a:tc>
+                  <a:txBody>
+                    <a:bodyPr/>
+                    <a:lstStyle/>
+                    <a:p>
+                      <a:pPr algn="ctr"/>
+                      <a:endParaRPr lang="pt-BR" sz="1200" dirty="0"/>
+                    </a:p>
+                  </a:txBody>
+                  <a:tcPr/>
+                </a:tc>
+                <a:tc>
+                  <a:txBody>
+                    <a:bodyPr/>
+                    <a:lstStyle/>
+                    <a:p>
+                      <a:pPr algn="ctr"/>
+                      <a:endParaRPr lang="pt-BR" sz="1200" dirty="0"/>
+                    </a:p>
+                  </a:txBody>
+                  <a:tcPr/>
+                </a:tc>
+                <a:tc>
+                  <a:txBody>
+                    <a:bodyPr/>
+                    <a:lstStyle/>
+                    <a:p>
+                      <a:pPr algn="ctr"/>
+                      <a:endParaRPr lang="pt-BR" sz="1200"/>
+                    </a:p>
+                  </a:txBody>
+                  <a:tcPr/>
+                </a:tc>
+                <a:tc>
+                  <a:txBody>
+                    <a:bodyPr/>
+                    <a:lstStyle/>
+                    <a:p>
+                      <a:pPr algn="ctr"/>
+                      <a:endParaRPr lang="pt-BR" sz="1200"/>
+                    </a:p>
+                  </a:txBody>
+                  <a:tcPr/>
+                </a:tc>
+                <a:tc>
+                  <a:txBody>
+                    <a:bodyPr/>
+                    <a:lstStyle/>
+                    <a:p>
+                      <a:pPr algn="ctr"/>
+                      <a:endParaRPr lang="pt-BR" sz="1200" dirty="0"/>
+                    </a:p>
+                  </a:txBody>
+                  <a:tcPr/>
+                </a:tc>
+                <a:tc>
+                  <a:txBody>
+                    <a:bodyPr/>
+                    <a:lstStyle/>
+                    <a:p>
+                      <a:pPr algn="ctr"/>
+                      <a:endParaRPr lang="pt-BR" sz="1200" dirty="0"/>
+                    </a:p>
+                  </a:txBody>
+                  <a:tcPr/>
+                </a:tc>
+                <a:tc>
+                  <a:txBody>
+                    <a:bodyPr/>
+                    <a:lstStyle/>
+                    <a:p>
+                      <a:pPr algn="ctr"/>
+                      <a:endParaRPr lang="pt-BR" sz="1200"/>
+                    </a:p>
+                  </a:txBody>
+                  <a:tcPr/>
+                </a:tc>
+                <a:tc>
+                  <a:txBody>
+                    <a:bodyPr/>
+                    <a:lstStyle/>
+                    <a:p>
+                      <a:pPr algn="ctr"/>
+                      <a:endParaRPr lang="pt-BR" sz="1200" dirty="0"/>
+                    </a:p>
+                  </a:txBody>
+                  <a:tcPr/>
+                </a:tc>
+                <a:tc>
+                  <a:txBody>
+                    <a:bodyPr/>
+                    <a:lstStyle/>
+                    <a:p>
+                      <a:pPr algn="ctr"/>
+                      <a:endParaRPr lang="pt-BR" sz="1200" dirty="0"/>
+                    </a:p>
+                  </a:txBody>
+                  <a:tcPr/>
+                </a:tc>
+                <a:tc>
+                  <a:txBody>
+                    <a:bodyPr/>
+                    <a:lstStyle/>
+                    <a:p>
+                      <a:pPr algn="ctr"/>
+                      <a:endParaRPr lang="pt-BR" sz="1200" dirty="0"/>
+                    </a:p>
+                  </a:txBody>
+                  <a:tcPr/>
+                </a:tc>
+                <a:extLst>
+                  <a:ext uri="{0D108BD9-81ED-4DB2-BD59-A6C34878D82A}">
+                    <a16:rowId xmlns:a16="http://schemas.microsoft.com/office/drawing/2014/main" val="1432827003"/>
+                  </a:ext>
+                </a:extLst>
+              </a:tr>
+              <a:tr h="370840">
+                <a:tc>
+                  <a:txBody>
+                    <a:bodyPr/>
+                    <a:lstStyle/>
+                    <a:p>
+                      <a:r>
+                        <a:rPr lang="pt-BR" sz="1200" dirty="0" err="1"/>
+                        <a:t>FogBugz</a:t>
+                      </a:r>
+                      <a:endParaRPr lang="pt-BR" sz="1200" dirty="0"/>
+                    </a:p>
+                  </a:txBody>
+                  <a:tcPr/>
+                </a:tc>
+                <a:tc>
+                  <a:txBody>
+                    <a:bodyPr/>
+                    <a:lstStyle/>
+                    <a:p>
+                      <a:pPr algn="ctr"/>
+                      <a:endParaRPr lang="pt-BR" sz="1200" dirty="0"/>
+                    </a:p>
+                  </a:txBody>
+                  <a:tcPr/>
+                </a:tc>
+                <a:tc>
+                  <a:txBody>
+                    <a:bodyPr/>
+                    <a:lstStyle/>
+                    <a:p>
+                      <a:pPr algn="ctr"/>
+                      <a:endParaRPr lang="pt-BR" sz="1200" dirty="0"/>
+                    </a:p>
+                  </a:txBody>
+                  <a:tcPr/>
+                </a:tc>
+                <a:tc>
+                  <a:txBody>
+                    <a:bodyPr/>
+                    <a:lstStyle/>
+                    <a:p>
+                      <a:pPr algn="ctr"/>
+                      <a:endParaRPr lang="pt-BR" sz="1200" dirty="0"/>
+                    </a:p>
+                  </a:txBody>
+                  <a:tcPr/>
+                </a:tc>
+                <a:tc>
+                  <a:txBody>
+                    <a:bodyPr/>
+                    <a:lstStyle/>
+                    <a:p>
+                      <a:pPr algn="ctr"/>
+                      <a:endParaRPr lang="pt-BR" sz="1200" dirty="0"/>
+                    </a:p>
+                  </a:txBody>
+                  <a:tcPr/>
+                </a:tc>
+                <a:tc>
+                  <a:txBody>
+                    <a:bodyPr/>
+                    <a:lstStyle/>
+                    <a:p>
+                      <a:pPr algn="ctr"/>
+                      <a:endParaRPr lang="pt-BR" sz="1200" dirty="0"/>
+                    </a:p>
+                  </a:txBody>
+                  <a:tcPr/>
+                </a:tc>
+                <a:tc>
+                  <a:txBody>
+                    <a:bodyPr/>
+                    <a:lstStyle/>
+                    <a:p>
+                      <a:pPr algn="ctr"/>
+                      <a:endParaRPr lang="pt-BR" sz="1200" dirty="0"/>
+                    </a:p>
+                  </a:txBody>
+                  <a:tcPr/>
+                </a:tc>
+                <a:tc>
+                  <a:txBody>
+                    <a:bodyPr/>
+                    <a:lstStyle/>
+                    <a:p>
+                      <a:pPr algn="ctr"/>
+                      <a:endParaRPr lang="pt-BR" sz="1200" dirty="0"/>
+                    </a:p>
+                  </a:txBody>
+                  <a:tcPr/>
+                </a:tc>
+                <a:tc>
+                  <a:txBody>
+                    <a:bodyPr/>
+                    <a:lstStyle/>
+                    <a:p>
+                      <a:pPr algn="ctr"/>
+                      <a:endParaRPr lang="pt-BR" sz="1200" dirty="0"/>
+                    </a:p>
+                  </a:txBody>
+                  <a:tcPr/>
+                </a:tc>
+                <a:tc>
+                  <a:txBody>
+                    <a:bodyPr/>
+                    <a:lstStyle/>
+                    <a:p>
+                      <a:pPr algn="ctr"/>
+                      <a:endParaRPr lang="pt-BR" sz="1200"/>
+                    </a:p>
+                  </a:txBody>
+                  <a:tcPr/>
+                </a:tc>
+                <a:tc>
+                  <a:txBody>
+                    <a:bodyPr/>
+                    <a:lstStyle/>
+                    <a:p>
+                      <a:pPr algn="ctr"/>
+                      <a:endParaRPr lang="pt-BR" sz="1200"/>
+                    </a:p>
+                  </a:txBody>
+                  <a:tcPr/>
+                </a:tc>
+                <a:tc>
+                  <a:txBody>
+                    <a:bodyPr/>
+                    <a:lstStyle/>
+                    <a:p>
+                      <a:pPr algn="ctr"/>
+                      <a:endParaRPr lang="pt-BR" sz="1200" dirty="0"/>
+                    </a:p>
+                  </a:txBody>
+                  <a:tcPr/>
+                </a:tc>
+                <a:tc>
+                  <a:txBody>
+                    <a:bodyPr/>
+                    <a:lstStyle/>
+                    <a:p>
+                      <a:pPr algn="ctr"/>
+                      <a:endParaRPr lang="pt-BR" sz="1200" dirty="0"/>
+                    </a:p>
+                  </a:txBody>
+                  <a:tcPr/>
+                </a:tc>
+                <a:tc>
+                  <a:txBody>
+                    <a:bodyPr/>
+                    <a:lstStyle/>
+                    <a:p>
+                      <a:pPr algn="ctr"/>
+                      <a:endParaRPr lang="pt-BR" sz="1200"/>
+                    </a:p>
+                  </a:txBody>
+                  <a:tcPr/>
+                </a:tc>
+                <a:tc>
+                  <a:txBody>
+                    <a:bodyPr/>
+                    <a:lstStyle/>
+                    <a:p>
+                      <a:pPr algn="ctr"/>
+                      <a:endParaRPr lang="pt-BR" sz="1200" dirty="0"/>
+                    </a:p>
+                  </a:txBody>
+                  <a:tcPr/>
+                </a:tc>
+                <a:tc>
+                  <a:txBody>
+                    <a:bodyPr/>
+                    <a:lstStyle/>
+                    <a:p>
+                      <a:pPr algn="ctr"/>
+                      <a:endParaRPr lang="pt-BR" sz="1200" dirty="0"/>
+                    </a:p>
+                  </a:txBody>
+                  <a:tcPr/>
+                </a:tc>
+                <a:tc>
+                  <a:txBody>
+                    <a:bodyPr/>
+                    <a:lstStyle/>
+                    <a:p>
+                      <a:pPr algn="ctr"/>
+                      <a:endParaRPr lang="pt-BR" sz="1200" dirty="0"/>
+                    </a:p>
+                  </a:txBody>
+                  <a:tcPr/>
+                </a:tc>
+                <a:extLst>
+                  <a:ext uri="{0D108BD9-81ED-4DB2-BD59-A6C34878D82A}">
+                    <a16:rowId xmlns:a16="http://schemas.microsoft.com/office/drawing/2014/main" val="3552744275"/>
+                  </a:ext>
+                </a:extLst>
+              </a:tr>
+              <a:tr h="370840">
+                <a:tc>
+                  <a:txBody>
+                    <a:bodyPr/>
+                    <a:lstStyle/>
+                    <a:p>
+                      <a:r>
+                        <a:rPr lang="pt-BR" sz="1200" dirty="0" err="1"/>
+                        <a:t>Git</a:t>
+                      </a:r>
+                      <a:r>
+                        <a:rPr lang="pt-BR" sz="1200" dirty="0"/>
+                        <a:t> Server</a:t>
+                      </a:r>
+                    </a:p>
+                  </a:txBody>
+                  <a:tcPr/>
+                </a:tc>
+                <a:tc>
+                  <a:txBody>
+                    <a:bodyPr/>
+                    <a:lstStyle/>
+                    <a:p>
+                      <a:pPr algn="ctr"/>
+                      <a:r>
+                        <a:rPr lang="pt-BR" sz="1200" dirty="0" err="1"/>
+                        <a:t>Free</a:t>
+                      </a:r>
+                      <a:endParaRPr lang="pt-BR" sz="1200" dirty="0"/>
+                    </a:p>
+                  </a:txBody>
+                  <a:tcPr/>
+                </a:tc>
+                <a:tc>
+                  <a:txBody>
+                    <a:bodyPr/>
+                    <a:lstStyle/>
+                    <a:p>
+                      <a:pPr algn="ctr"/>
+                      <a:endParaRPr lang="pt-BR" sz="1200" dirty="0"/>
+                    </a:p>
+                  </a:txBody>
+                  <a:tcPr/>
+                </a:tc>
+                <a:tc>
+                  <a:txBody>
+                    <a:bodyPr/>
+                    <a:lstStyle/>
+                    <a:p>
+                      <a:pPr algn="ctr"/>
+                      <a:endParaRPr lang="pt-BR" sz="1200" dirty="0"/>
+                    </a:p>
+                  </a:txBody>
+                  <a:tcPr/>
+                </a:tc>
+                <a:tc>
+                  <a:txBody>
+                    <a:bodyPr/>
+                    <a:lstStyle/>
+                    <a:p>
+                      <a:pPr algn="ctr"/>
+                      <a:r>
+                        <a:rPr lang="pt-BR" sz="1200" dirty="0"/>
+                        <a:t>x</a:t>
+                      </a:r>
+                    </a:p>
+                  </a:txBody>
+                  <a:tcPr/>
+                </a:tc>
+                <a:tc>
+                  <a:txBody>
+                    <a:bodyPr/>
+                    <a:lstStyle/>
+                    <a:p>
+                      <a:pPr algn="ctr"/>
+                      <a:endParaRPr lang="pt-BR" sz="1200" dirty="0"/>
+                    </a:p>
+                  </a:txBody>
+                  <a:tcPr/>
+                </a:tc>
+                <a:tc>
+                  <a:txBody>
+                    <a:bodyPr/>
+                    <a:lstStyle/>
+                    <a:p>
+                      <a:pPr algn="ctr"/>
+                      <a:endParaRPr lang="pt-BR" sz="1200" dirty="0"/>
+                    </a:p>
+                  </a:txBody>
+                  <a:tcPr/>
+                </a:tc>
+                <a:tc>
+                  <a:txBody>
+                    <a:bodyPr/>
+                    <a:lstStyle/>
+                    <a:p>
+                      <a:pPr algn="ctr"/>
+                      <a:endParaRPr lang="pt-BR" sz="1200" dirty="0"/>
+                    </a:p>
+                  </a:txBody>
+                  <a:tcPr/>
+                </a:tc>
+                <a:tc>
+                  <a:txBody>
+                    <a:bodyPr/>
+                    <a:lstStyle/>
+                    <a:p>
+                      <a:pPr algn="ctr"/>
+                      <a:endParaRPr lang="pt-BR" sz="1200" dirty="0"/>
+                    </a:p>
+                  </a:txBody>
+                  <a:tcPr/>
+                </a:tc>
+                <a:tc>
+                  <a:txBody>
+                    <a:bodyPr/>
+                    <a:lstStyle/>
+                    <a:p>
+                      <a:pPr algn="ctr"/>
+                      <a:endParaRPr lang="pt-BR" sz="1200"/>
+                    </a:p>
+                  </a:txBody>
+                  <a:tcPr/>
+                </a:tc>
+                <a:tc>
+                  <a:txBody>
+                    <a:bodyPr/>
+                    <a:lstStyle/>
+                    <a:p>
+                      <a:pPr algn="ctr"/>
+                      <a:endParaRPr lang="pt-BR" sz="1200"/>
+                    </a:p>
+                  </a:txBody>
+                  <a:tcPr/>
+                </a:tc>
+                <a:tc>
+                  <a:txBody>
+                    <a:bodyPr/>
+                    <a:lstStyle/>
+                    <a:p>
+                      <a:pPr algn="ctr"/>
+                      <a:endParaRPr lang="pt-BR" sz="1200" dirty="0"/>
+                    </a:p>
+                  </a:txBody>
+                  <a:tcPr/>
+                </a:tc>
+                <a:tc>
+                  <a:txBody>
+                    <a:bodyPr/>
+                    <a:lstStyle/>
+                    <a:p>
+                      <a:pPr algn="ctr"/>
+                      <a:endParaRPr lang="pt-BR" sz="1200" dirty="0"/>
+                    </a:p>
+                  </a:txBody>
+                  <a:tcPr/>
+                </a:tc>
+                <a:tc>
+                  <a:txBody>
+                    <a:bodyPr/>
+                    <a:lstStyle/>
+                    <a:p>
+                      <a:pPr algn="ctr"/>
+                      <a:endParaRPr lang="pt-BR" sz="1200"/>
+                    </a:p>
+                  </a:txBody>
+                  <a:tcPr/>
+                </a:tc>
+                <a:tc>
+                  <a:txBody>
+                    <a:bodyPr/>
+                    <a:lstStyle/>
+                    <a:p>
+                      <a:pPr algn="ctr"/>
+                      <a:endParaRPr lang="pt-BR" sz="1200" dirty="0"/>
+                    </a:p>
+                  </a:txBody>
+                  <a:tcPr/>
+                </a:tc>
+                <a:tc>
+                  <a:txBody>
+                    <a:bodyPr/>
+                    <a:lstStyle/>
+                    <a:p>
+                      <a:pPr algn="ctr"/>
+                      <a:endParaRPr lang="pt-BR" sz="1200" dirty="0"/>
+                    </a:p>
+                  </a:txBody>
+                  <a:tcPr/>
+                </a:tc>
+                <a:tc>
+                  <a:txBody>
+                    <a:bodyPr/>
+                    <a:lstStyle/>
+                    <a:p>
+                      <a:pPr algn="ctr"/>
+                      <a:endParaRPr lang="pt-BR" sz="1200" dirty="0"/>
+                    </a:p>
+                  </a:txBody>
+                  <a:tcPr/>
+                </a:tc>
+                <a:extLst>
+                  <a:ext uri="{0D108BD9-81ED-4DB2-BD59-A6C34878D82A}">
+                    <a16:rowId xmlns:a16="http://schemas.microsoft.com/office/drawing/2014/main" val="1482221529"/>
+                  </a:ext>
+                </a:extLst>
+              </a:tr>
+              <a:tr h="370840">
+                <a:tc>
+                  <a:txBody>
+                    <a:bodyPr/>
+                    <a:lstStyle/>
+                    <a:p>
+                      <a:r>
+                        <a:rPr lang="pt-BR" sz="1200" dirty="0" err="1"/>
+                        <a:t>Gitea</a:t>
+                      </a:r>
+                      <a:endParaRPr lang="pt-BR" sz="1200" dirty="0"/>
+                    </a:p>
+                  </a:txBody>
+                  <a:tcPr/>
+                </a:tc>
+                <a:tc>
+                  <a:txBody>
+                    <a:bodyPr/>
+                    <a:lstStyle/>
+                    <a:p>
+                      <a:pPr algn="ctr"/>
+                      <a:r>
+                        <a:rPr lang="pt-BR" sz="1200" dirty="0" err="1"/>
+                        <a:t>Free</a:t>
+                      </a:r>
+                      <a:endParaRPr lang="pt-BR" sz="1200" dirty="0"/>
+                    </a:p>
+                  </a:txBody>
+                  <a:tcPr/>
+                </a:tc>
+                <a:tc>
+                  <a:txBody>
+                    <a:bodyPr/>
+                    <a:lstStyle/>
+                    <a:p>
+                      <a:pPr algn="ctr"/>
+                      <a:endParaRPr lang="pt-BR" sz="1200" dirty="0"/>
+                    </a:p>
+                  </a:txBody>
+                  <a:tcPr/>
+                </a:tc>
+                <a:tc>
+                  <a:txBody>
+                    <a:bodyPr/>
+                    <a:lstStyle/>
+                    <a:p>
+                      <a:pPr algn="ctr"/>
+                      <a:endParaRPr lang="pt-BR" sz="1200" dirty="0"/>
+                    </a:p>
+                  </a:txBody>
+                  <a:tcPr/>
+                </a:tc>
+                <a:tc>
+                  <a:txBody>
+                    <a:bodyPr/>
+                    <a:lstStyle/>
+                    <a:p>
+                      <a:pPr algn="ctr"/>
+                      <a:r>
+                        <a:rPr lang="pt-BR" sz="1200" dirty="0"/>
+                        <a:t>x</a:t>
+                      </a:r>
+                    </a:p>
+                  </a:txBody>
+                  <a:tcPr/>
+                </a:tc>
+                <a:tc>
+                  <a:txBody>
+                    <a:bodyPr/>
+                    <a:lstStyle/>
+                    <a:p>
+                      <a:pPr algn="ctr"/>
+                      <a:endParaRPr lang="pt-BR" sz="1200" dirty="0"/>
+                    </a:p>
+                  </a:txBody>
+                  <a:tcPr/>
+                </a:tc>
+                <a:tc>
+                  <a:txBody>
+                    <a:bodyPr/>
+                    <a:lstStyle/>
+                    <a:p>
+                      <a:pPr algn="ctr"/>
+                      <a:endParaRPr lang="pt-BR" sz="1200" dirty="0"/>
+                    </a:p>
+                  </a:txBody>
+                  <a:tcPr/>
+                </a:tc>
+                <a:tc>
+                  <a:txBody>
+                    <a:bodyPr/>
+                    <a:lstStyle/>
+                    <a:p>
+                      <a:pPr algn="ctr"/>
+                      <a:endParaRPr lang="pt-BR" sz="1200" dirty="0"/>
+                    </a:p>
+                  </a:txBody>
+                  <a:tcPr/>
+                </a:tc>
+                <a:tc>
+                  <a:txBody>
+                    <a:bodyPr/>
+                    <a:lstStyle/>
+                    <a:p>
+                      <a:pPr algn="ctr"/>
+                      <a:endParaRPr lang="pt-BR" sz="1200" dirty="0"/>
+                    </a:p>
+                  </a:txBody>
+                  <a:tcPr/>
+                </a:tc>
+                <a:tc>
+                  <a:txBody>
+                    <a:bodyPr/>
+                    <a:lstStyle/>
+                    <a:p>
+                      <a:pPr algn="ctr"/>
+                      <a:endParaRPr lang="pt-BR" sz="1200"/>
+                    </a:p>
+                  </a:txBody>
+                  <a:tcPr/>
+                </a:tc>
+                <a:tc>
+                  <a:txBody>
+                    <a:bodyPr/>
+                    <a:lstStyle/>
+                    <a:p>
+                      <a:pPr algn="ctr"/>
+                      <a:endParaRPr lang="pt-BR" sz="1200"/>
+                    </a:p>
+                  </a:txBody>
+                  <a:tcPr/>
+                </a:tc>
+                <a:tc>
+                  <a:txBody>
+                    <a:bodyPr/>
+                    <a:lstStyle/>
+                    <a:p>
+                      <a:pPr algn="ctr"/>
+                      <a:endParaRPr lang="pt-BR" sz="1200" dirty="0"/>
+                    </a:p>
+                  </a:txBody>
+                  <a:tcPr/>
+                </a:tc>
+                <a:tc>
+                  <a:txBody>
+                    <a:bodyPr/>
+                    <a:lstStyle/>
+                    <a:p>
+                      <a:pPr algn="ctr"/>
+                      <a:endParaRPr lang="pt-BR" sz="1200" dirty="0"/>
+                    </a:p>
+                  </a:txBody>
+                  <a:tcPr/>
+                </a:tc>
+                <a:tc>
+                  <a:txBody>
+                    <a:bodyPr/>
+                    <a:lstStyle/>
+                    <a:p>
+                      <a:pPr algn="ctr"/>
+                      <a:endParaRPr lang="pt-BR" sz="1200"/>
+                    </a:p>
+                  </a:txBody>
+                  <a:tcPr/>
+                </a:tc>
+                <a:tc>
+                  <a:txBody>
+                    <a:bodyPr/>
+                    <a:lstStyle/>
+                    <a:p>
+                      <a:pPr algn="ctr"/>
+                      <a:endParaRPr lang="pt-BR" sz="1200" dirty="0"/>
+                    </a:p>
+                  </a:txBody>
+                  <a:tcPr/>
+                </a:tc>
+                <a:tc>
+                  <a:txBody>
+                    <a:bodyPr/>
+                    <a:lstStyle/>
+                    <a:p>
+                      <a:pPr algn="ctr"/>
+                      <a:endParaRPr lang="pt-BR" sz="1200" dirty="0"/>
+                    </a:p>
+                  </a:txBody>
+                  <a:tcPr/>
+                </a:tc>
+                <a:tc>
+                  <a:txBody>
+                    <a:bodyPr/>
+                    <a:lstStyle/>
+                    <a:p>
+                      <a:pPr algn="ctr"/>
+                      <a:endParaRPr lang="pt-BR" sz="1200" dirty="0"/>
+                    </a:p>
+                  </a:txBody>
+                  <a:tcPr/>
+                </a:tc>
+                <a:extLst>
+                  <a:ext uri="{0D108BD9-81ED-4DB2-BD59-A6C34878D82A}">
+                    <a16:rowId xmlns:a16="http://schemas.microsoft.com/office/drawing/2014/main" val="1766376462"/>
+                  </a:ext>
+                </a:extLst>
+              </a:tr>
+              <a:tr h="370840">
+                <a:tc>
+                  <a:txBody>
+                    <a:bodyPr/>
+                    <a:lstStyle/>
+                    <a:p>
+                      <a:r>
+                        <a:rPr lang="pt-BR" sz="1200" dirty="0" err="1"/>
+                        <a:t>Gogs</a:t>
+                      </a:r>
+                      <a:endParaRPr lang="pt-BR" sz="1200" dirty="0"/>
+                    </a:p>
+                  </a:txBody>
+                  <a:tcPr/>
+                </a:tc>
+                <a:tc>
+                  <a:txBody>
+                    <a:bodyPr/>
+                    <a:lstStyle/>
+                    <a:p>
+                      <a:pPr algn="ctr"/>
+                      <a:r>
+                        <a:rPr lang="pt-BR" sz="1200" dirty="0" err="1"/>
+                        <a:t>Free</a:t>
+                      </a:r>
+                      <a:endParaRPr lang="pt-BR" sz="1200" dirty="0"/>
+                    </a:p>
+                  </a:txBody>
+                  <a:tcPr/>
+                </a:tc>
+                <a:tc>
+                  <a:txBody>
+                    <a:bodyPr/>
+                    <a:lstStyle/>
+                    <a:p>
+                      <a:pPr algn="ctr"/>
+                      <a:endParaRPr lang="pt-BR" sz="1200" dirty="0"/>
+                    </a:p>
+                  </a:txBody>
+                  <a:tcPr/>
+                </a:tc>
+                <a:tc>
+                  <a:txBody>
+                    <a:bodyPr/>
+                    <a:lstStyle/>
+                    <a:p>
+                      <a:pPr algn="ctr"/>
+                      <a:endParaRPr lang="pt-BR" sz="1200" dirty="0"/>
+                    </a:p>
+                  </a:txBody>
+                  <a:tcPr/>
+                </a:tc>
+                <a:tc>
+                  <a:txBody>
+                    <a:bodyPr/>
+                    <a:lstStyle/>
+                    <a:p>
+                      <a:pPr algn="ctr"/>
+                      <a:r>
+                        <a:rPr lang="pt-BR" sz="1200" dirty="0"/>
+                        <a:t>x</a:t>
+                      </a:r>
+                    </a:p>
+                  </a:txBody>
+                  <a:tcPr/>
+                </a:tc>
+                <a:tc>
+                  <a:txBody>
+                    <a:bodyPr/>
+                    <a:lstStyle/>
+                    <a:p>
+                      <a:pPr algn="ctr"/>
+                      <a:endParaRPr lang="pt-BR" sz="1200" dirty="0"/>
+                    </a:p>
+                  </a:txBody>
+                  <a:tcPr/>
+                </a:tc>
+                <a:tc>
+                  <a:txBody>
+                    <a:bodyPr/>
+                    <a:lstStyle/>
+                    <a:p>
+                      <a:pPr algn="ctr"/>
+                      <a:endParaRPr lang="pt-BR" sz="1200" dirty="0"/>
+                    </a:p>
+                  </a:txBody>
+                  <a:tcPr/>
+                </a:tc>
+                <a:tc>
+                  <a:txBody>
+                    <a:bodyPr/>
+                    <a:lstStyle/>
+                    <a:p>
+                      <a:pPr algn="ctr"/>
+                      <a:endParaRPr lang="pt-BR" sz="1200" dirty="0"/>
+                    </a:p>
+                  </a:txBody>
+                  <a:tcPr/>
+                </a:tc>
+                <a:tc>
+                  <a:txBody>
+                    <a:bodyPr/>
+                    <a:lstStyle/>
+                    <a:p>
+                      <a:pPr algn="ctr"/>
+                      <a:endParaRPr lang="pt-BR" sz="1200" dirty="0"/>
+                    </a:p>
+                  </a:txBody>
+                  <a:tcPr/>
+                </a:tc>
+                <a:tc>
+                  <a:txBody>
+                    <a:bodyPr/>
+                    <a:lstStyle/>
+                    <a:p>
+                      <a:pPr algn="ctr"/>
+                      <a:endParaRPr lang="pt-BR" sz="1200"/>
+                    </a:p>
+                  </a:txBody>
+                  <a:tcPr/>
+                </a:tc>
+                <a:tc>
+                  <a:txBody>
+                    <a:bodyPr/>
+                    <a:lstStyle/>
+                    <a:p>
+                      <a:pPr algn="ctr"/>
+                      <a:endParaRPr lang="pt-BR" sz="1200"/>
+                    </a:p>
+                  </a:txBody>
+                  <a:tcPr/>
+                </a:tc>
+                <a:tc>
+                  <a:txBody>
+                    <a:bodyPr/>
+                    <a:lstStyle/>
+                    <a:p>
+                      <a:pPr algn="ctr"/>
+                      <a:endParaRPr lang="pt-BR" sz="1200" dirty="0"/>
+                    </a:p>
+                  </a:txBody>
+                  <a:tcPr/>
+                </a:tc>
+                <a:tc>
+                  <a:txBody>
+                    <a:bodyPr/>
+                    <a:lstStyle/>
+                    <a:p>
+                      <a:pPr algn="ctr"/>
+                      <a:endParaRPr lang="pt-BR" sz="1200" dirty="0"/>
+                    </a:p>
+                  </a:txBody>
+                  <a:tcPr/>
+                </a:tc>
+                <a:tc>
+                  <a:txBody>
+                    <a:bodyPr/>
+                    <a:lstStyle/>
+                    <a:p>
+                      <a:pPr algn="ctr"/>
+                      <a:endParaRPr lang="pt-BR" sz="1200"/>
+                    </a:p>
+                  </a:txBody>
+                  <a:tcPr/>
+                </a:tc>
+                <a:tc>
+                  <a:txBody>
+                    <a:bodyPr/>
+                    <a:lstStyle/>
+                    <a:p>
+                      <a:pPr algn="ctr"/>
+                      <a:endParaRPr lang="pt-BR" sz="1200" dirty="0"/>
+                    </a:p>
+                  </a:txBody>
+                  <a:tcPr/>
+                </a:tc>
+                <a:tc>
+                  <a:txBody>
+                    <a:bodyPr/>
+                    <a:lstStyle/>
+                    <a:p>
+                      <a:pPr algn="ctr"/>
+                      <a:endParaRPr lang="pt-BR" sz="1200" dirty="0"/>
+                    </a:p>
+                  </a:txBody>
+                  <a:tcPr/>
+                </a:tc>
+                <a:tc>
+                  <a:txBody>
+                    <a:bodyPr/>
+                    <a:lstStyle/>
+                    <a:p>
+                      <a:pPr algn="ctr"/>
+                      <a:endParaRPr lang="pt-BR" sz="1200" dirty="0"/>
+                    </a:p>
+                  </a:txBody>
+                  <a:tcPr/>
+                </a:tc>
+                <a:extLst>
+                  <a:ext uri="{0D108BD9-81ED-4DB2-BD59-A6C34878D82A}">
+                    <a16:rowId xmlns:a16="http://schemas.microsoft.com/office/drawing/2014/main" val="3125209032"/>
+                  </a:ext>
+                </a:extLst>
+              </a:tr>
+              <a:tr h="370840">
+                <a:tc>
+                  <a:txBody>
+                    <a:bodyPr/>
+                    <a:lstStyle/>
+                    <a:p>
+                      <a:r>
+                        <a:rPr lang="pt-BR" sz="1200" dirty="0" err="1"/>
+                        <a:t>Bonobo</a:t>
+                      </a:r>
+                      <a:endParaRPr lang="pt-BR" sz="1200" dirty="0"/>
+                    </a:p>
+                  </a:txBody>
+                  <a:tcPr/>
+                </a:tc>
+                <a:tc>
+                  <a:txBody>
+                    <a:bodyPr/>
+                    <a:lstStyle/>
+                    <a:p>
+                      <a:pPr algn="ctr"/>
+                      <a:r>
+                        <a:rPr lang="pt-BR" sz="1200" dirty="0" err="1"/>
+                        <a:t>Free</a:t>
+                      </a:r>
+                      <a:endParaRPr lang="pt-BR" sz="1200" dirty="0"/>
+                    </a:p>
+                  </a:txBody>
+                  <a:tcPr/>
+                </a:tc>
+                <a:tc>
+                  <a:txBody>
+                    <a:bodyPr/>
+                    <a:lstStyle/>
+                    <a:p>
+                      <a:pPr algn="ctr"/>
+                      <a:endParaRPr lang="pt-BR" sz="1200" dirty="0"/>
+                    </a:p>
+                  </a:txBody>
+                  <a:tcPr/>
+                </a:tc>
+                <a:tc>
+                  <a:txBody>
+                    <a:bodyPr/>
+                    <a:lstStyle/>
+                    <a:p>
+                      <a:pPr algn="ctr"/>
+                      <a:endParaRPr lang="pt-BR" sz="1200" dirty="0"/>
+                    </a:p>
+                  </a:txBody>
+                  <a:tcPr/>
+                </a:tc>
+                <a:tc>
+                  <a:txBody>
+                    <a:bodyPr/>
+                    <a:lstStyle/>
+                    <a:p>
+                      <a:pPr algn="ctr"/>
+                      <a:r>
+                        <a:rPr lang="pt-BR" sz="1200" dirty="0"/>
+                        <a:t>x</a:t>
+                      </a:r>
+                    </a:p>
+                  </a:txBody>
+                  <a:tcPr/>
+                </a:tc>
+                <a:tc>
+                  <a:txBody>
+                    <a:bodyPr/>
+                    <a:lstStyle/>
+                    <a:p>
+                      <a:pPr algn="ctr"/>
+                      <a:r>
+                        <a:rPr lang="pt-BR" sz="1200" dirty="0"/>
+                        <a:t>x</a:t>
+                      </a:r>
+                    </a:p>
+                  </a:txBody>
+                  <a:tcPr/>
+                </a:tc>
+                <a:tc>
+                  <a:txBody>
+                    <a:bodyPr/>
+                    <a:lstStyle/>
+                    <a:p>
+                      <a:pPr algn="ctr"/>
+                      <a:endParaRPr lang="pt-BR" sz="1200" dirty="0"/>
+                    </a:p>
+                  </a:txBody>
+                  <a:tcPr/>
+                </a:tc>
+                <a:tc>
+                  <a:txBody>
+                    <a:bodyPr/>
+                    <a:lstStyle/>
+                    <a:p>
+                      <a:pPr algn="ctr"/>
+                      <a:endParaRPr lang="pt-BR" sz="1200" dirty="0"/>
+                    </a:p>
+                  </a:txBody>
+                  <a:tcPr/>
+                </a:tc>
+                <a:tc>
+                  <a:txBody>
+                    <a:bodyPr/>
+                    <a:lstStyle/>
+                    <a:p>
+                      <a:pPr algn="ctr"/>
+                      <a:endParaRPr lang="pt-BR" sz="1200" dirty="0"/>
+                    </a:p>
+                  </a:txBody>
+                  <a:tcPr/>
+                </a:tc>
+                <a:tc>
+                  <a:txBody>
+                    <a:bodyPr/>
+                    <a:lstStyle/>
+                    <a:p>
+                      <a:pPr algn="ctr"/>
+                      <a:endParaRPr lang="pt-BR" sz="1200"/>
+                    </a:p>
+                  </a:txBody>
+                  <a:tcPr/>
+                </a:tc>
+                <a:tc>
+                  <a:txBody>
+                    <a:bodyPr/>
+                    <a:lstStyle/>
+                    <a:p>
+                      <a:pPr algn="ctr"/>
+                      <a:endParaRPr lang="pt-BR" sz="1200"/>
+                    </a:p>
+                  </a:txBody>
+                  <a:tcPr/>
+                </a:tc>
+                <a:tc>
+                  <a:txBody>
+                    <a:bodyPr/>
+                    <a:lstStyle/>
+                    <a:p>
+                      <a:pPr algn="ctr"/>
+                      <a:endParaRPr lang="pt-BR" sz="1200" dirty="0"/>
+                    </a:p>
+                  </a:txBody>
+                  <a:tcPr/>
+                </a:tc>
+                <a:tc>
+                  <a:txBody>
+                    <a:bodyPr/>
+                    <a:lstStyle/>
+                    <a:p>
+                      <a:pPr algn="ctr"/>
+                      <a:endParaRPr lang="pt-BR" sz="1200" dirty="0"/>
+                    </a:p>
+                  </a:txBody>
+                  <a:tcPr/>
+                </a:tc>
+                <a:tc>
+                  <a:txBody>
+                    <a:bodyPr/>
+                    <a:lstStyle/>
+                    <a:p>
+                      <a:pPr algn="ctr"/>
+                      <a:endParaRPr lang="pt-BR" sz="1200"/>
+                    </a:p>
+                  </a:txBody>
+                  <a:tcPr/>
+                </a:tc>
+                <a:tc>
+                  <a:txBody>
+                    <a:bodyPr/>
+                    <a:lstStyle/>
+                    <a:p>
+                      <a:pPr algn="ctr"/>
+                      <a:endParaRPr lang="pt-BR" sz="1200" dirty="0"/>
+                    </a:p>
+                  </a:txBody>
+                  <a:tcPr/>
+                </a:tc>
+                <a:tc>
+                  <a:txBody>
+                    <a:bodyPr/>
+                    <a:lstStyle/>
+                    <a:p>
+                      <a:pPr algn="ctr"/>
+                      <a:endParaRPr lang="pt-BR" sz="1200" dirty="0"/>
+                    </a:p>
+                  </a:txBody>
+                  <a:tcPr/>
+                </a:tc>
+                <a:tc>
+                  <a:txBody>
+                    <a:bodyPr/>
+                    <a:lstStyle/>
+                    <a:p>
+                      <a:pPr algn="ctr"/>
+                      <a:endParaRPr lang="pt-BR" sz="1200" dirty="0"/>
+                    </a:p>
+                  </a:txBody>
+                  <a:tcPr/>
+                </a:tc>
+                <a:extLst>
+                  <a:ext uri="{0D108BD9-81ED-4DB2-BD59-A6C34878D82A}">
+                    <a16:rowId xmlns:a16="http://schemas.microsoft.com/office/drawing/2014/main" val="4103376773"/>
                   </a:ext>
                 </a:extLst>
               </a:tr>
@@ -15662,6 +16925,120 @@
     <p:extLst>
       <p:ext uri="{BB962C8B-B14F-4D97-AF65-F5344CB8AC3E}">
         <p14:creationId xmlns:p14="http://schemas.microsoft.com/office/powerpoint/2010/main" val="3678632636"/>
+      </p:ext>
+    </p:extLst>
+  </p:cSld>
+  <p:clrMapOvr>
+    <a:masterClrMapping/>
+  </p:clrMapOvr>
+</p:sld>
+</file>
+
+<file path=ppt/slides/slide45.xml><?xml version="1.0" encoding="utf-8"?>
+<p:sld xmlns:a="http://schemas.openxmlformats.org/drawingml/2006/main" xmlns:r="http://schemas.openxmlformats.org/officeDocument/2006/relationships" xmlns:p="http://schemas.openxmlformats.org/presentationml/2006/main">
+  <p:cSld>
+    <p:spTree>
+      <p:nvGrpSpPr>
+        <p:cNvPr id="1" name=""/>
+        <p:cNvGrpSpPr/>
+        <p:nvPr/>
+      </p:nvGrpSpPr>
+      <p:grpSpPr>
+        <a:xfrm>
+          <a:off x="0" y="0"/>
+          <a:ext cx="0" cy="0"/>
+          <a:chOff x="0" y="0"/>
+          <a:chExt cx="0" cy="0"/>
+        </a:xfrm>
+      </p:grpSpPr>
+      <p:sp>
+        <p:nvSpPr>
+          <p:cNvPr id="4" name="Title 3">
+            <a:extLst>
+              <a:ext uri="{FF2B5EF4-FFF2-40B4-BE49-F238E27FC236}">
+                <a16:creationId xmlns:a16="http://schemas.microsoft.com/office/drawing/2014/main" id="{033B1D36-0C5D-4BC8-AA3D-2C1B811B090E}"/>
+              </a:ext>
+            </a:extLst>
+          </p:cNvPr>
+          <p:cNvSpPr>
+            <a:spLocks noGrp="1"/>
+          </p:cNvSpPr>
+          <p:nvPr>
+            <p:ph type="title"/>
+          </p:nvPr>
+        </p:nvSpPr>
+        <p:spPr/>
+        <p:txBody>
+          <a:bodyPr/>
+          <a:lstStyle/>
+          <a:p>
+            <a:r>
+              <a:rPr lang="pt-BR" dirty="0"/>
+              <a:t>Links Úteis</a:t>
+            </a:r>
+          </a:p>
+        </p:txBody>
+      </p:sp>
+      <p:sp>
+        <p:nvSpPr>
+          <p:cNvPr id="3" name="Content Placeholder 2">
+            <a:extLst>
+              <a:ext uri="{FF2B5EF4-FFF2-40B4-BE49-F238E27FC236}">
+                <a16:creationId xmlns:a16="http://schemas.microsoft.com/office/drawing/2014/main" id="{037B7535-1674-49FF-8029-FA0279C0800A}"/>
+              </a:ext>
+            </a:extLst>
+          </p:cNvPr>
+          <p:cNvSpPr>
+            <a:spLocks noGrp="1"/>
+          </p:cNvSpPr>
+          <p:nvPr>
+            <p:ph idx="1"/>
+          </p:nvPr>
+        </p:nvSpPr>
+        <p:spPr/>
+        <p:txBody>
+          <a:bodyPr/>
+          <a:lstStyle/>
+          <a:p>
+            <a:r>
+              <a:rPr lang="pt-BR" dirty="0"/>
+              <a:t>Comparativo de </a:t>
+            </a:r>
+            <a:r>
+              <a:rPr lang="pt-BR" dirty="0" err="1"/>
+              <a:t>Git</a:t>
+            </a:r>
+            <a:r>
+              <a:rPr lang="pt-BR" dirty="0"/>
+              <a:t> </a:t>
+            </a:r>
+            <a:r>
+              <a:rPr lang="pt-BR" dirty="0" err="1"/>
+              <a:t>Hosting</a:t>
+            </a:r>
+            <a:endParaRPr lang="pt-BR" dirty="0"/>
+          </a:p>
+          <a:p>
+            <a:r>
+              <a:rPr lang="pt-BR" dirty="0">
+                <a:hlinkClick r:id="rId2"/>
+              </a:rPr>
+              <a:t>https://www.git-tower.com/blog/git-hosting-services-compared/</a:t>
+            </a:r>
+            <a:endParaRPr lang="pt-BR" dirty="0"/>
+          </a:p>
+          <a:p>
+            <a:endParaRPr lang="pt-BR" dirty="0"/>
+          </a:p>
+          <a:p>
+            <a:endParaRPr lang="pt-BR" dirty="0"/>
+          </a:p>
+        </p:txBody>
+      </p:sp>
+    </p:spTree>
+    <p:extLst>
+      <p:ext uri="{BB962C8B-B14F-4D97-AF65-F5344CB8AC3E}">
+        <p14:creationId xmlns:p14="http://schemas.microsoft.com/office/powerpoint/2010/main" val="40092682"/>
       </p:ext>
     </p:extLst>
   </p:cSld>

--- a/Projeto VEK - GIT 4 VEK.pptx
+++ b/Projeto VEK - GIT 4 VEK.pptx
@@ -93,10 +93,12 @@
     <p:sldId id="355" r:id="rId87"/>
     <p:sldId id="356" r:id="rId88"/>
     <p:sldId id="357" r:id="rId89"/>
-    <p:sldId id="277" r:id="rId90"/>
-    <p:sldId id="306" r:id="rId91"/>
-    <p:sldId id="359" r:id="rId92"/>
-    <p:sldId id="358" r:id="rId93"/>
+    <p:sldId id="360" r:id="rId90"/>
+    <p:sldId id="361" r:id="rId91"/>
+    <p:sldId id="277" r:id="rId92"/>
+    <p:sldId id="306" r:id="rId93"/>
+    <p:sldId id="359" r:id="rId94"/>
+    <p:sldId id="358" r:id="rId95"/>
   </p:sldIdLst>
   <p:sldSz cx="12192000" cy="6858000"/>
   <p:notesSz cx="6858000" cy="9144000"/>
@@ -4407,7 +4409,7 @@
             <a:fld id="{B61BEF0D-F0BB-DE4B-95CE-6DB70DBA9567}" type="datetimeFigureOut">
               <a:rPr lang="en-US" smtClean="0"/>
               <a:pPr/>
-              <a:t>8/10/2017</a:t>
+              <a:t>8/11/2017</a:t>
             </a:fld>
             <a:endParaRPr lang="en-US" dirty="0"/>
           </a:p>
@@ -4617,7 +4619,7 @@
             <a:fld id="{B61BEF0D-F0BB-DE4B-95CE-6DB70DBA9567}" type="datetimeFigureOut">
               <a:rPr lang="en-US" smtClean="0"/>
               <a:pPr/>
-              <a:t>8/10/2017</a:t>
+              <a:t>8/11/2017</a:t>
             </a:fld>
             <a:endParaRPr lang="en-US" dirty="0"/>
           </a:p>
@@ -4875,7 +4877,7 @@
             <a:fld id="{B61BEF0D-F0BB-DE4B-95CE-6DB70DBA9567}" type="datetimeFigureOut">
               <a:rPr lang="en-US" smtClean="0"/>
               <a:pPr/>
-              <a:t>8/10/2017</a:t>
+              <a:t>8/11/2017</a:t>
             </a:fld>
             <a:endParaRPr lang="en-US" dirty="0"/>
           </a:p>
@@ -5051,7 +5053,7 @@
             <a:fld id="{B61BEF0D-F0BB-DE4B-95CE-6DB70DBA9567}" type="datetimeFigureOut">
               <a:rPr lang="en-US" smtClean="0"/>
               <a:pPr/>
-              <a:t>8/10/2017</a:t>
+              <a:t>8/11/2017</a:t>
             </a:fld>
             <a:endParaRPr lang="en-US" dirty="0"/>
           </a:p>
@@ -5396,7 +5398,7 @@
             <a:fld id="{B61BEF0D-F0BB-DE4B-95CE-6DB70DBA9567}" type="datetimeFigureOut">
               <a:rPr lang="en-US" smtClean="0"/>
               <a:pPr/>
-              <a:t>8/10/2017</a:t>
+              <a:t>8/11/2017</a:t>
             </a:fld>
             <a:endParaRPr lang="en-US" dirty="0"/>
           </a:p>
@@ -5673,7 +5675,7 @@
             <a:fld id="{B61BEF0D-F0BB-DE4B-95CE-6DB70DBA9567}" type="datetimeFigureOut">
               <a:rPr lang="en-US" smtClean="0"/>
               <a:pPr/>
-              <a:t>8/10/2017</a:t>
+              <a:t>8/11/2017</a:t>
             </a:fld>
             <a:endParaRPr lang="en-US" dirty="0"/>
           </a:p>
@@ -6054,7 +6056,7 @@
             <a:fld id="{B61BEF0D-F0BB-DE4B-95CE-6DB70DBA9567}" type="datetimeFigureOut">
               <a:rPr lang="en-US" smtClean="0"/>
               <a:pPr/>
-              <a:t>8/10/2017</a:t>
+              <a:t>8/11/2017</a:t>
             </a:fld>
             <a:endParaRPr lang="en-US" dirty="0"/>
           </a:p>
@@ -6174,7 +6176,7 @@
             <a:fld id="{B61BEF0D-F0BB-DE4B-95CE-6DB70DBA9567}" type="datetimeFigureOut">
               <a:rPr lang="en-US" smtClean="0"/>
               <a:pPr/>
-              <a:t>8/10/2017</a:t>
+              <a:t>8/11/2017</a:t>
             </a:fld>
             <a:endParaRPr lang="en-US" dirty="0"/>
           </a:p>
@@ -6347,7 +6349,7 @@
             <a:fld id="{B61BEF0D-F0BB-DE4B-95CE-6DB70DBA9567}" type="datetimeFigureOut">
               <a:rPr lang="en-US" smtClean="0"/>
               <a:pPr/>
-              <a:t>8/10/2017</a:t>
+              <a:t>8/11/2017</a:t>
             </a:fld>
             <a:endParaRPr lang="en-US" dirty="0"/>
           </a:p>
@@ -6703,7 +6705,7 @@
             <a:fld id="{B61BEF0D-F0BB-DE4B-95CE-6DB70DBA9567}" type="datetimeFigureOut">
               <a:rPr lang="en-US" smtClean="0"/>
               <a:pPr/>
-              <a:t>8/10/2017</a:t>
+              <a:t>8/11/2017</a:t>
             </a:fld>
             <a:endParaRPr lang="en-US" dirty="0"/>
           </a:p>
@@ -7087,7 +7089,7 @@
             <a:fld id="{B61BEF0D-F0BB-DE4B-95CE-6DB70DBA9567}" type="datetimeFigureOut">
               <a:rPr lang="en-US" smtClean="0"/>
               <a:pPr/>
-              <a:t>8/10/2017</a:t>
+              <a:t>8/11/2017</a:t>
             </a:fld>
             <a:endParaRPr lang="en-US" dirty="0"/>
           </a:p>
@@ -7376,7 +7378,7 @@
             <a:fld id="{B61BEF0D-F0BB-DE4B-95CE-6DB70DBA9567}" type="datetimeFigureOut">
               <a:rPr lang="en-US" smtClean="0"/>
               <a:pPr/>
-              <a:t>8/10/2017</a:t>
+              <a:t>8/11/2017</a:t>
             </a:fld>
             <a:endParaRPr lang="en-US" dirty="0"/>
           </a:p>
@@ -28913,13 +28915,18 @@
           <a:lstStyle/>
           <a:p>
             <a:r>
-              <a:rPr lang="en-US" sz="1600">
+              <a:rPr lang="en-US" sz="1600" dirty="0" err="1">
                 <a:solidFill>
                   <a:schemeClr val="tx1"/>
                 </a:solidFill>
               </a:rPr>
               <a:t>Básico</a:t>
             </a:r>
+            <a:endParaRPr lang="en-US" sz="1600" dirty="0">
+              <a:solidFill>
+                <a:schemeClr val="tx1"/>
+              </a:solidFill>
+            </a:endParaRPr>
           </a:p>
           <a:p>
             <a:pPr>
@@ -28927,7 +28934,7 @@
               <a:buChar char="•"/>
             </a:pPr>
             <a:r>
-              <a:rPr lang="en-US" sz="1600">
+              <a:rPr lang="en-US" sz="1600" dirty="0">
                 <a:solidFill>
                   <a:schemeClr val="tx1"/>
                 </a:solidFill>
@@ -28941,7 +28948,7 @@
               <a:buChar char="•"/>
             </a:pPr>
             <a:r>
-              <a:rPr lang="en-US" sz="1600">
+              <a:rPr lang="en-US" sz="1600" dirty="0">
                 <a:solidFill>
                   <a:schemeClr val="tx1"/>
                 </a:solidFill>
@@ -28955,7 +28962,7 @@
               <a:buChar char="•"/>
             </a:pPr>
             <a:r>
-              <a:rPr lang="en-US" sz="1600">
+              <a:rPr lang="en-US" sz="1600" dirty="0">
                 <a:solidFill>
                   <a:schemeClr val="tx1"/>
                 </a:solidFill>
@@ -28969,7 +28976,7 @@
               <a:buChar char="•"/>
             </a:pPr>
             <a:r>
-              <a:rPr lang="en-US" sz="1600">
+              <a:rPr lang="en-US" sz="1600" dirty="0">
                 <a:solidFill>
                   <a:schemeClr val="tx1"/>
                 </a:solidFill>
@@ -28983,7 +28990,7 @@
               <a:buChar char="•"/>
             </a:pPr>
             <a:r>
-              <a:rPr lang="en-US" sz="1600">
+              <a:rPr lang="en-US" sz="1600" dirty="0">
                 <a:solidFill>
                   <a:schemeClr val="tx1"/>
                 </a:solidFill>
@@ -28992,7 +28999,7 @@
             </a:r>
           </a:p>
           <a:p>
-            <a:endParaRPr lang="en-US" sz="1600">
+            <a:endParaRPr lang="en-US" sz="1600" dirty="0">
               <a:solidFill>
                 <a:schemeClr val="tx1"/>
               </a:solidFill>
@@ -29000,7 +29007,7 @@
           </a:p>
           <a:p>
             <a:r>
-              <a:rPr lang="en-US" sz="1600">
+              <a:rPr lang="en-US" sz="1600" dirty="0">
                 <a:solidFill>
                   <a:schemeClr val="tx1"/>
                 </a:solidFill>
@@ -29014,13 +29021,18 @@
               <a:buChar char="•"/>
             </a:pPr>
             <a:r>
-              <a:rPr lang="en-US" sz="1600">
+              <a:rPr lang="en-US" sz="1600" dirty="0" err="1">
                 <a:solidFill>
                   <a:schemeClr val="tx1"/>
                 </a:solidFill>
               </a:rPr>
               <a:t>GitWeb</a:t>
             </a:r>
+            <a:endParaRPr lang="en-US" sz="1600" dirty="0">
+              <a:solidFill>
+                <a:schemeClr val="tx1"/>
+              </a:solidFill>
+            </a:endParaRPr>
           </a:p>
           <a:p>
             <a:pPr>
@@ -29028,27 +29040,29 @@
               <a:buChar char="•"/>
             </a:pPr>
             <a:r>
-              <a:rPr lang="en-US" sz="1600">
+              <a:rPr lang="en-US" sz="1600" dirty="0">
                 <a:solidFill>
                   <a:schemeClr val="tx1"/>
                 </a:solidFill>
               </a:rPr>
-              <a:t>GitLab (by GitLab Community, by Bitnami)</a:t>
-            </a:r>
-          </a:p>
-          <a:p>
-            <a:endParaRPr lang="en-US" sz="1600">
-              <a:solidFill>
-                <a:schemeClr val="tx1"/>
-              </a:solidFill>
-            </a:endParaRPr>
-          </a:p>
-          <a:p>
-            <a:endParaRPr lang="en-US" sz="1600">
-              <a:solidFill>
-                <a:schemeClr val="tx1"/>
-              </a:solidFill>
-            </a:endParaRPr>
+              <a:t>GitLab (by GitLab Community, by </a:t>
+            </a:r>
+            <a:r>
+              <a:rPr lang="en-US" sz="1600" dirty="0" err="1">
+                <a:solidFill>
+                  <a:schemeClr val="tx1"/>
+                </a:solidFill>
+              </a:rPr>
+              <a:t>Bitnami</a:t>
+            </a:r>
+            <a:r>
+              <a:rPr lang="en-US" sz="1600" dirty="0">
+                <a:solidFill>
+                  <a:schemeClr val="tx1"/>
+                </a:solidFill>
+              </a:rPr>
+              <a:t>, by Turnkey)</a:t>
+            </a:r>
           </a:p>
         </p:txBody>
       </p:sp>
@@ -30140,6 +30154,1259 @@
 </file>
 
 <file path=ppt/slides/slide89.xml><?xml version="1.0" encoding="utf-8"?>
+<p:sld xmlns:a="http://schemas.openxmlformats.org/drawingml/2006/main" xmlns:r="http://schemas.openxmlformats.org/officeDocument/2006/relationships" xmlns:p="http://schemas.openxmlformats.org/presentationml/2006/main">
+  <p:cSld>
+    <p:spTree>
+      <p:nvGrpSpPr>
+        <p:cNvPr id="1" name=""/>
+        <p:cNvGrpSpPr/>
+        <p:nvPr/>
+      </p:nvGrpSpPr>
+      <p:grpSpPr>
+        <a:xfrm>
+          <a:off x="0" y="0"/>
+          <a:ext cx="0" cy="0"/>
+          <a:chOff x="0" y="0"/>
+          <a:chExt cx="0" cy="0"/>
+        </a:xfrm>
+      </p:grpSpPr>
+      <p:sp>
+        <p:nvSpPr>
+          <p:cNvPr id="2" name="Title 1">
+            <a:extLst>
+              <a:ext uri="{FF2B5EF4-FFF2-40B4-BE49-F238E27FC236}">
+                <a16:creationId xmlns:a16="http://schemas.microsoft.com/office/drawing/2014/main" id="{6418BAC7-B592-4A3D-9D16-0D97D134D813}"/>
+              </a:ext>
+            </a:extLst>
+          </p:cNvPr>
+          <p:cNvSpPr>
+            <a:spLocks noGrp="1"/>
+          </p:cNvSpPr>
+          <p:nvPr>
+            <p:ph type="title"/>
+          </p:nvPr>
+        </p:nvSpPr>
+        <p:spPr/>
+        <p:txBody>
+          <a:bodyPr/>
+          <a:lstStyle/>
+          <a:p>
+            <a:r>
+              <a:rPr lang="pt-BR" dirty="0" err="1"/>
+              <a:t>Distributed</a:t>
+            </a:r>
+            <a:r>
+              <a:rPr lang="pt-BR" dirty="0"/>
+              <a:t> </a:t>
+            </a:r>
+            <a:r>
+              <a:rPr lang="pt-BR" dirty="0" err="1"/>
+              <a:t>Git</a:t>
+            </a:r>
+            <a:br>
+              <a:rPr lang="pt-BR" dirty="0"/>
+            </a:br>
+            <a:r>
+              <a:rPr lang="pt-BR" dirty="0" err="1"/>
+              <a:t>Template</a:t>
+            </a:r>
+            <a:r>
+              <a:rPr lang="pt-BR" dirty="0"/>
+              <a:t> de Mensagem de </a:t>
+            </a:r>
+            <a:r>
+              <a:rPr lang="pt-BR" dirty="0" err="1"/>
+              <a:t>Commit</a:t>
+            </a:r>
+            <a:endParaRPr lang="pt-BR" dirty="0"/>
+          </a:p>
+        </p:txBody>
+      </p:sp>
+      <p:sp>
+        <p:nvSpPr>
+          <p:cNvPr id="6" name="Content Placeholder 5">
+            <a:extLst>
+              <a:ext uri="{FF2B5EF4-FFF2-40B4-BE49-F238E27FC236}">
+                <a16:creationId xmlns:a16="http://schemas.microsoft.com/office/drawing/2014/main" id="{1AF52EBD-15DD-46C7-98D4-810DAB2651FA}"/>
+              </a:ext>
+            </a:extLst>
+          </p:cNvPr>
+          <p:cNvSpPr>
+            <a:spLocks noGrp="1"/>
+          </p:cNvSpPr>
+          <p:nvPr>
+            <p:ph idx="1"/>
+          </p:nvPr>
+        </p:nvSpPr>
+        <p:spPr/>
+        <p:txBody>
+          <a:bodyPr>
+            <a:noAutofit/>
+          </a:bodyPr>
+          <a:lstStyle/>
+          <a:p>
+            <a:pPr>
+              <a:lnSpc>
+                <a:spcPct val="100000"/>
+              </a:lnSpc>
+              <a:spcBef>
+                <a:spcPts val="0"/>
+              </a:spcBef>
+              <a:spcAft>
+                <a:spcPts val="0"/>
+              </a:spcAft>
+            </a:pPr>
+            <a:r>
+              <a:rPr lang="en-US" sz="1400" i="1" dirty="0">
+                <a:effectLst>
+                  <a:outerShdw blurRad="38100" dist="38100" dir="2700000" algn="tl">
+                    <a:srgbClr val="000000">
+                      <a:alpha val="43137"/>
+                    </a:srgbClr>
+                  </a:outerShdw>
+                </a:effectLst>
+              </a:rPr>
+              <a:t>Capitalized, short (50 chars or less) summary of changes (Title)</a:t>
+            </a:r>
+          </a:p>
+          <a:p>
+            <a:pPr>
+              <a:lnSpc>
+                <a:spcPct val="100000"/>
+              </a:lnSpc>
+              <a:spcBef>
+                <a:spcPts val="0"/>
+              </a:spcBef>
+              <a:spcAft>
+                <a:spcPts val="0"/>
+              </a:spcAft>
+            </a:pPr>
+            <a:endParaRPr lang="en-US" sz="1400" i="1" dirty="0">
+              <a:effectLst>
+                <a:outerShdw blurRad="38100" dist="38100" dir="2700000" algn="tl">
+                  <a:srgbClr val="000000">
+                    <a:alpha val="43137"/>
+                  </a:srgbClr>
+                </a:outerShdw>
+              </a:effectLst>
+            </a:endParaRPr>
+          </a:p>
+          <a:p>
+            <a:pPr>
+              <a:lnSpc>
+                <a:spcPct val="100000"/>
+              </a:lnSpc>
+              <a:spcBef>
+                <a:spcPts val="0"/>
+              </a:spcBef>
+              <a:spcAft>
+                <a:spcPts val="0"/>
+              </a:spcAft>
+            </a:pPr>
+            <a:r>
+              <a:rPr lang="en-US" sz="1400" i="1" dirty="0">
+                <a:effectLst>
+                  <a:outerShdw blurRad="38100" dist="38100" dir="2700000" algn="tl">
+                    <a:srgbClr val="000000">
+                      <a:alpha val="43137"/>
+                    </a:srgbClr>
+                  </a:outerShdw>
+                </a:effectLst>
+              </a:rPr>
+              <a:t>More detailed explanatory text, if necessary.  Wrap it to about 72 characters or so.  In some contexts, the first line is treated as the subject of an email and the rest of the text as the body.  The blank line separating the summary from the body is critical (unless you omit the body entirely); tools like rebase can get confused if you run the two together.</a:t>
+            </a:r>
+          </a:p>
+          <a:p>
+            <a:pPr>
+              <a:lnSpc>
+                <a:spcPct val="100000"/>
+              </a:lnSpc>
+              <a:spcBef>
+                <a:spcPts val="0"/>
+              </a:spcBef>
+              <a:spcAft>
+                <a:spcPts val="0"/>
+              </a:spcAft>
+            </a:pPr>
+            <a:endParaRPr lang="en-US" sz="1400" i="1" dirty="0">
+              <a:effectLst>
+                <a:outerShdw blurRad="38100" dist="38100" dir="2700000" algn="tl">
+                  <a:srgbClr val="000000">
+                    <a:alpha val="43137"/>
+                  </a:srgbClr>
+                </a:outerShdw>
+              </a:effectLst>
+            </a:endParaRPr>
+          </a:p>
+          <a:p>
+            <a:pPr>
+              <a:lnSpc>
+                <a:spcPct val="100000"/>
+              </a:lnSpc>
+              <a:spcBef>
+                <a:spcPts val="0"/>
+              </a:spcBef>
+              <a:spcAft>
+                <a:spcPts val="0"/>
+              </a:spcAft>
+            </a:pPr>
+            <a:r>
+              <a:rPr lang="en-US" sz="1400" i="1" dirty="0">
+                <a:effectLst>
+                  <a:outerShdw blurRad="38100" dist="38100" dir="2700000" algn="tl">
+                    <a:srgbClr val="000000">
+                      <a:alpha val="43137"/>
+                    </a:srgbClr>
+                  </a:outerShdw>
+                </a:effectLst>
+              </a:rPr>
+              <a:t>Write your commit message in the imperative: "Fix bug" and not "Fixed bug" or "Fixes bug."  This convention matches up with commit messages generated by commands like git merge and git revert.</a:t>
+            </a:r>
+          </a:p>
+          <a:p>
+            <a:pPr>
+              <a:lnSpc>
+                <a:spcPct val="100000"/>
+              </a:lnSpc>
+              <a:spcBef>
+                <a:spcPts val="0"/>
+              </a:spcBef>
+              <a:spcAft>
+                <a:spcPts val="0"/>
+              </a:spcAft>
+            </a:pPr>
+            <a:endParaRPr lang="en-US" sz="1400" i="1" dirty="0">
+              <a:effectLst>
+                <a:outerShdw blurRad="38100" dist="38100" dir="2700000" algn="tl">
+                  <a:srgbClr val="000000">
+                    <a:alpha val="43137"/>
+                  </a:srgbClr>
+                </a:outerShdw>
+              </a:effectLst>
+            </a:endParaRPr>
+          </a:p>
+          <a:p>
+            <a:pPr>
+              <a:lnSpc>
+                <a:spcPct val="100000"/>
+              </a:lnSpc>
+              <a:spcBef>
+                <a:spcPts val="0"/>
+              </a:spcBef>
+              <a:spcAft>
+                <a:spcPts val="0"/>
+              </a:spcAft>
+            </a:pPr>
+            <a:r>
+              <a:rPr lang="en-US" sz="1400" i="1" dirty="0">
+                <a:effectLst>
+                  <a:outerShdw blurRad="38100" dist="38100" dir="2700000" algn="tl">
+                    <a:srgbClr val="000000">
+                      <a:alpha val="43137"/>
+                    </a:srgbClr>
+                  </a:outerShdw>
+                </a:effectLst>
+              </a:rPr>
+              <a:t>Further paragraphs come after blank lines.</a:t>
+            </a:r>
+          </a:p>
+          <a:p>
+            <a:pPr>
+              <a:lnSpc>
+                <a:spcPct val="100000"/>
+              </a:lnSpc>
+              <a:spcBef>
+                <a:spcPts val="0"/>
+              </a:spcBef>
+              <a:spcAft>
+                <a:spcPts val="0"/>
+              </a:spcAft>
+            </a:pPr>
+            <a:endParaRPr lang="en-US" sz="1400" i="1" dirty="0">
+              <a:effectLst>
+                <a:outerShdw blurRad="38100" dist="38100" dir="2700000" algn="tl">
+                  <a:srgbClr val="000000">
+                    <a:alpha val="43137"/>
+                  </a:srgbClr>
+                </a:outerShdw>
+              </a:effectLst>
+            </a:endParaRPr>
+          </a:p>
+          <a:p>
+            <a:pPr>
+              <a:lnSpc>
+                <a:spcPct val="100000"/>
+              </a:lnSpc>
+              <a:spcBef>
+                <a:spcPts val="0"/>
+              </a:spcBef>
+              <a:spcAft>
+                <a:spcPts val="0"/>
+              </a:spcAft>
+            </a:pPr>
+            <a:r>
+              <a:rPr lang="en-US" sz="1400" i="1" dirty="0">
+                <a:effectLst>
+                  <a:outerShdw blurRad="38100" dist="38100" dir="2700000" algn="tl">
+                    <a:srgbClr val="000000">
+                      <a:alpha val="43137"/>
+                    </a:srgbClr>
+                  </a:outerShdw>
+                </a:effectLst>
+              </a:rPr>
+              <a:t>- Bullet points are okay, too</a:t>
+            </a:r>
+          </a:p>
+          <a:p>
+            <a:pPr>
+              <a:lnSpc>
+                <a:spcPct val="100000"/>
+              </a:lnSpc>
+              <a:spcBef>
+                <a:spcPts val="0"/>
+              </a:spcBef>
+              <a:spcAft>
+                <a:spcPts val="0"/>
+              </a:spcAft>
+            </a:pPr>
+            <a:endParaRPr lang="en-US" sz="1400" i="1" dirty="0">
+              <a:effectLst>
+                <a:outerShdw blurRad="38100" dist="38100" dir="2700000" algn="tl">
+                  <a:srgbClr val="000000">
+                    <a:alpha val="43137"/>
+                  </a:srgbClr>
+                </a:outerShdw>
+              </a:effectLst>
+            </a:endParaRPr>
+          </a:p>
+          <a:p>
+            <a:pPr>
+              <a:lnSpc>
+                <a:spcPct val="100000"/>
+              </a:lnSpc>
+              <a:spcBef>
+                <a:spcPts val="0"/>
+              </a:spcBef>
+              <a:spcAft>
+                <a:spcPts val="0"/>
+              </a:spcAft>
+            </a:pPr>
+            <a:r>
+              <a:rPr lang="en-US" sz="1400" i="1" dirty="0">
+                <a:effectLst>
+                  <a:outerShdw blurRad="38100" dist="38100" dir="2700000" algn="tl">
+                    <a:srgbClr val="000000">
+                      <a:alpha val="43137"/>
+                    </a:srgbClr>
+                  </a:outerShdw>
+                </a:effectLst>
+              </a:rPr>
+              <a:t>- Typically a hyphen or asterisk is used for the bullet, preceded by a single space, with blank lines in between, but conventions vary here</a:t>
+            </a:r>
+          </a:p>
+          <a:p>
+            <a:pPr>
+              <a:lnSpc>
+                <a:spcPct val="100000"/>
+              </a:lnSpc>
+              <a:spcBef>
+                <a:spcPts val="0"/>
+              </a:spcBef>
+              <a:spcAft>
+                <a:spcPts val="0"/>
+              </a:spcAft>
+            </a:pPr>
+            <a:endParaRPr lang="en-US" sz="1400" i="1" dirty="0">
+              <a:effectLst>
+                <a:outerShdw blurRad="38100" dist="38100" dir="2700000" algn="tl">
+                  <a:srgbClr val="000000">
+                    <a:alpha val="43137"/>
+                  </a:srgbClr>
+                </a:outerShdw>
+              </a:effectLst>
+            </a:endParaRPr>
+          </a:p>
+          <a:p>
+            <a:pPr>
+              <a:lnSpc>
+                <a:spcPct val="100000"/>
+              </a:lnSpc>
+              <a:spcBef>
+                <a:spcPts val="0"/>
+              </a:spcBef>
+              <a:spcAft>
+                <a:spcPts val="0"/>
+              </a:spcAft>
+            </a:pPr>
+            <a:r>
+              <a:rPr lang="en-US" sz="1400" i="1" dirty="0">
+                <a:effectLst>
+                  <a:outerShdw blurRad="38100" dist="38100" dir="2700000" algn="tl">
+                    <a:srgbClr val="000000">
+                      <a:alpha val="43137"/>
+                    </a:srgbClr>
+                  </a:outerShdw>
+                </a:effectLst>
+              </a:rPr>
+              <a:t>- Use a hanging indent</a:t>
+            </a:r>
+          </a:p>
+          <a:p>
+            <a:pPr>
+              <a:lnSpc>
+                <a:spcPct val="100000"/>
+              </a:lnSpc>
+              <a:spcBef>
+                <a:spcPts val="0"/>
+              </a:spcBef>
+              <a:spcAft>
+                <a:spcPts val="0"/>
+              </a:spcAft>
+            </a:pPr>
+            <a:endParaRPr lang="pt-BR" sz="1400" dirty="0"/>
+          </a:p>
+          <a:p>
+            <a:pPr>
+              <a:lnSpc>
+                <a:spcPct val="100000"/>
+              </a:lnSpc>
+              <a:spcBef>
+                <a:spcPts val="0"/>
+              </a:spcBef>
+              <a:spcAft>
+                <a:spcPts val="0"/>
+              </a:spcAft>
+            </a:pPr>
+            <a:r>
+              <a:rPr lang="pt-BR" sz="1400" dirty="0"/>
+              <a:t>Ref.: </a:t>
+            </a:r>
+            <a:r>
+              <a:rPr lang="pt-BR" sz="1400" dirty="0">
+                <a:hlinkClick r:id="rId2"/>
+              </a:rPr>
+              <a:t>http://tbaggery.com/2008/04/19/a-note-about-git-commit-messages.html</a:t>
+            </a:r>
+            <a:endParaRPr lang="pt-BR" sz="1400" dirty="0"/>
+          </a:p>
+          <a:p>
+            <a:pPr>
+              <a:lnSpc>
+                <a:spcPct val="100000"/>
+              </a:lnSpc>
+              <a:spcBef>
+                <a:spcPts val="0"/>
+              </a:spcBef>
+              <a:spcAft>
+                <a:spcPts val="0"/>
+              </a:spcAft>
+            </a:pPr>
+            <a:endParaRPr lang="pt-BR" sz="1400" dirty="0"/>
+          </a:p>
+          <a:p>
+            <a:pPr>
+              <a:lnSpc>
+                <a:spcPct val="100000"/>
+              </a:lnSpc>
+              <a:spcBef>
+                <a:spcPts val="0"/>
+              </a:spcBef>
+              <a:spcAft>
+                <a:spcPts val="0"/>
+              </a:spcAft>
+            </a:pPr>
+            <a:r>
+              <a:rPr lang="pt-BR" sz="1400" dirty="0" err="1"/>
+              <a:t>git</a:t>
+            </a:r>
+            <a:r>
+              <a:rPr lang="pt-BR" sz="1400" dirty="0"/>
+              <a:t> log --no-merges </a:t>
+            </a:r>
+            <a:r>
+              <a:rPr lang="pt-BR" sz="1400" dirty="0">
+                <a:sym typeface="Wingdings" panose="05000000000000000000" pitchFamily="2" charset="2"/>
+              </a:rPr>
+              <a:t> mostra os comentários dos </a:t>
+            </a:r>
+            <a:r>
+              <a:rPr lang="pt-BR" sz="1400" dirty="0" err="1">
+                <a:sym typeface="Wingdings" panose="05000000000000000000" pitchFamily="2" charset="2"/>
+              </a:rPr>
+              <a:t>commits</a:t>
+            </a:r>
+            <a:r>
+              <a:rPr lang="pt-BR" sz="1400" dirty="0">
+                <a:sym typeface="Wingdings" panose="05000000000000000000" pitchFamily="2" charset="2"/>
+              </a:rPr>
+              <a:t>.</a:t>
+            </a:r>
+            <a:endParaRPr lang="pt-BR" sz="1400" dirty="0"/>
+          </a:p>
+        </p:txBody>
+      </p:sp>
+    </p:spTree>
+    <p:extLst>
+      <p:ext uri="{BB962C8B-B14F-4D97-AF65-F5344CB8AC3E}">
+        <p14:creationId xmlns:p14="http://schemas.microsoft.com/office/powerpoint/2010/main" val="1076321969"/>
+      </p:ext>
+    </p:extLst>
+  </p:cSld>
+  <p:clrMapOvr>
+    <a:masterClrMapping/>
+  </p:clrMapOvr>
+</p:sld>
+</file>
+
+<file path=ppt/slides/slide9.xml><?xml version="1.0" encoding="utf-8"?>
+<p:sld xmlns:a="http://schemas.openxmlformats.org/drawingml/2006/main" xmlns:r="http://schemas.openxmlformats.org/officeDocument/2006/relationships" xmlns:p="http://schemas.openxmlformats.org/presentationml/2006/main">
+  <p:cSld>
+    <p:spTree>
+      <p:nvGrpSpPr>
+        <p:cNvPr id="1" name=""/>
+        <p:cNvGrpSpPr/>
+        <p:nvPr/>
+      </p:nvGrpSpPr>
+      <p:grpSpPr>
+        <a:xfrm>
+          <a:off x="0" y="0"/>
+          <a:ext cx="0" cy="0"/>
+          <a:chOff x="0" y="0"/>
+          <a:chExt cx="0" cy="0"/>
+        </a:xfrm>
+      </p:grpSpPr>
+      <p:pic>
+        <p:nvPicPr>
+          <p:cNvPr id="2" name="Picture 1" descr="A picture containing sky&#10;&#10;Description generated with very high confidence">
+            <a:extLst>
+              <a:ext uri="{FF2B5EF4-FFF2-40B4-BE49-F238E27FC236}">
+                <a16:creationId xmlns:a16="http://schemas.microsoft.com/office/drawing/2014/main" id="{C2BEF2A6-3228-4790-95FF-7F3E9699F913}"/>
+              </a:ext>
+            </a:extLst>
+          </p:cNvPr>
+          <p:cNvPicPr>
+            <a:picLocks noChangeAspect="1"/>
+          </p:cNvPicPr>
+          <p:nvPr/>
+        </p:nvPicPr>
+        <p:blipFill>
+          <a:blip r:embed="rId2">
+            <a:extLst>
+              <a:ext uri="{837473B0-CC2E-450A-ABE3-18F120FF3D39}">
+                <a1611:picAttrSrcUrl xmlns:a1611="http://schemas.microsoft.com/office/drawing/2016/11/main" r:id="rId3"/>
+              </a:ext>
+            </a:extLst>
+          </a:blip>
+          <a:stretch>
+            <a:fillRect/>
+          </a:stretch>
+        </p:blipFill>
+        <p:spPr>
+          <a:xfrm>
+            <a:off x="2729183" y="643467"/>
+            <a:ext cx="6733633" cy="5050225"/>
+          </a:xfrm>
+          <a:prstGeom prst="rect">
+            <a:avLst/>
+          </a:prstGeom>
+        </p:spPr>
+      </p:pic>
+    </p:spTree>
+    <p:extLst>
+      <p:ext uri="{BB962C8B-B14F-4D97-AF65-F5344CB8AC3E}">
+        <p14:creationId xmlns:p14="http://schemas.microsoft.com/office/powerpoint/2010/main" val="2493286836"/>
+      </p:ext>
+    </p:extLst>
+  </p:cSld>
+  <p:clrMapOvr>
+    <a:masterClrMapping/>
+  </p:clrMapOvr>
+</p:sld>
+</file>
+
+<file path=ppt/slides/slide90.xml><?xml version="1.0" encoding="utf-8"?>
+<p:sld xmlns:a="http://schemas.openxmlformats.org/drawingml/2006/main" xmlns:r="http://schemas.openxmlformats.org/officeDocument/2006/relationships" xmlns:p="http://schemas.openxmlformats.org/presentationml/2006/main">
+  <p:cSld>
+    <p:spTree>
+      <p:nvGrpSpPr>
+        <p:cNvPr id="1" name=""/>
+        <p:cNvGrpSpPr/>
+        <p:nvPr/>
+      </p:nvGrpSpPr>
+      <p:grpSpPr>
+        <a:xfrm>
+          <a:off x="0" y="0"/>
+          <a:ext cx="0" cy="0"/>
+          <a:chOff x="0" y="0"/>
+          <a:chExt cx="0" cy="0"/>
+        </a:xfrm>
+      </p:grpSpPr>
+      <p:sp>
+        <p:nvSpPr>
+          <p:cNvPr id="2" name="Title 1">
+            <a:extLst>
+              <a:ext uri="{FF2B5EF4-FFF2-40B4-BE49-F238E27FC236}">
+                <a16:creationId xmlns:a16="http://schemas.microsoft.com/office/drawing/2014/main" id="{6418BAC7-B592-4A3D-9D16-0D97D134D813}"/>
+              </a:ext>
+            </a:extLst>
+          </p:cNvPr>
+          <p:cNvSpPr>
+            <a:spLocks noGrp="1"/>
+          </p:cNvSpPr>
+          <p:nvPr>
+            <p:ph type="title"/>
+          </p:nvPr>
+        </p:nvSpPr>
+        <p:spPr/>
+        <p:txBody>
+          <a:bodyPr/>
+          <a:lstStyle/>
+          <a:p>
+            <a:r>
+              <a:rPr lang="pt-BR" dirty="0" err="1"/>
+              <a:t>Distributed</a:t>
+            </a:r>
+            <a:r>
+              <a:rPr lang="pt-BR" dirty="0"/>
+              <a:t> </a:t>
+            </a:r>
+            <a:r>
+              <a:rPr lang="pt-BR" dirty="0" err="1"/>
+              <a:t>Git</a:t>
+            </a:r>
+            <a:br>
+              <a:rPr lang="pt-BR" dirty="0"/>
+            </a:br>
+            <a:r>
+              <a:rPr lang="pt-BR" dirty="0"/>
+              <a:t>Merge Local </a:t>
+            </a:r>
+            <a:r>
+              <a:rPr lang="pt-BR" dirty="0" err="1"/>
+              <a:t>vs</a:t>
+            </a:r>
+            <a:r>
+              <a:rPr lang="pt-BR" dirty="0"/>
+              <a:t> Merge Remote</a:t>
+            </a:r>
+          </a:p>
+        </p:txBody>
+      </p:sp>
+      <p:sp>
+        <p:nvSpPr>
+          <p:cNvPr id="4" name="Text Placeholder 3">
+            <a:extLst>
+              <a:ext uri="{FF2B5EF4-FFF2-40B4-BE49-F238E27FC236}">
+                <a16:creationId xmlns:a16="http://schemas.microsoft.com/office/drawing/2014/main" id="{36B6250D-E889-40DA-8DAB-9BD5AA0E867D}"/>
+              </a:ext>
+            </a:extLst>
+          </p:cNvPr>
+          <p:cNvSpPr>
+            <a:spLocks noGrp="1"/>
+          </p:cNvSpPr>
+          <p:nvPr>
+            <p:ph type="body" idx="1"/>
+          </p:nvPr>
+        </p:nvSpPr>
+        <p:spPr/>
+        <p:txBody>
+          <a:bodyPr/>
+          <a:lstStyle/>
+          <a:p>
+            <a:r>
+              <a:rPr lang="pt-BR" dirty="0"/>
+              <a:t>local</a:t>
+            </a:r>
+          </a:p>
+        </p:txBody>
+      </p:sp>
+      <p:sp>
+        <p:nvSpPr>
+          <p:cNvPr id="5" name="Content Placeholder 4">
+            <a:extLst>
+              <a:ext uri="{FF2B5EF4-FFF2-40B4-BE49-F238E27FC236}">
+                <a16:creationId xmlns:a16="http://schemas.microsoft.com/office/drawing/2014/main" id="{ADE58562-15C4-491C-9A1A-F4361776A00A}"/>
+              </a:ext>
+            </a:extLst>
+          </p:cNvPr>
+          <p:cNvSpPr>
+            <a:spLocks noGrp="1"/>
+          </p:cNvSpPr>
+          <p:nvPr>
+            <p:ph sz="half" idx="2"/>
+          </p:nvPr>
+        </p:nvSpPr>
+        <p:spPr/>
+        <p:txBody>
+          <a:bodyPr>
+            <a:normAutofit/>
+          </a:bodyPr>
+          <a:lstStyle/>
+          <a:p>
+            <a:pPr marL="342900" indent="-342900">
+              <a:buFont typeface="+mj-lt"/>
+              <a:buAutoNum type="arabicPeriod"/>
+            </a:pPr>
+            <a:r>
+              <a:rPr lang="pt-BR" sz="1400" dirty="0" err="1"/>
+              <a:t>git</a:t>
+            </a:r>
+            <a:r>
+              <a:rPr lang="pt-BR" sz="1400" dirty="0"/>
+              <a:t> checkout -b </a:t>
+            </a:r>
+            <a:r>
+              <a:rPr lang="pt-BR" sz="1400" dirty="0" err="1"/>
+              <a:t>mytask</a:t>
+            </a:r>
+            <a:r>
+              <a:rPr lang="pt-BR" sz="1400" dirty="0"/>
+              <a:t> </a:t>
+            </a:r>
+            <a:r>
+              <a:rPr lang="pt-BR" sz="1400" dirty="0" err="1"/>
+              <a:t>master</a:t>
+            </a:r>
+            <a:endParaRPr lang="pt-BR" sz="1400" dirty="0"/>
+          </a:p>
+          <a:p>
+            <a:pPr marL="342900" indent="-342900">
+              <a:buFont typeface="+mj-lt"/>
+              <a:buAutoNum type="arabicPeriod"/>
+            </a:pPr>
+            <a:r>
+              <a:rPr lang="pt-BR" sz="1400" dirty="0" err="1"/>
+              <a:t>edit</a:t>
+            </a:r>
+            <a:r>
+              <a:rPr lang="pt-BR" sz="1400" dirty="0"/>
+              <a:t> file1.txt</a:t>
+            </a:r>
+          </a:p>
+          <a:p>
+            <a:pPr marL="342900" indent="-342900">
+              <a:buFont typeface="+mj-lt"/>
+              <a:buAutoNum type="arabicPeriod"/>
+            </a:pPr>
+            <a:r>
+              <a:rPr lang="pt-BR" sz="1400" dirty="0" err="1"/>
+              <a:t>git</a:t>
+            </a:r>
+            <a:r>
+              <a:rPr lang="pt-BR" sz="1400" dirty="0"/>
+              <a:t> </a:t>
+            </a:r>
+            <a:r>
+              <a:rPr lang="pt-BR" sz="1400" dirty="0" err="1"/>
+              <a:t>commit</a:t>
+            </a:r>
+            <a:r>
+              <a:rPr lang="pt-BR" sz="1400" dirty="0"/>
+              <a:t> -a -m ‘</a:t>
+            </a:r>
+            <a:r>
+              <a:rPr lang="pt-BR" sz="1400" dirty="0" err="1"/>
+              <a:t>message</a:t>
+            </a:r>
+            <a:r>
+              <a:rPr lang="pt-BR" sz="1400" dirty="0"/>
+              <a:t>’</a:t>
+            </a:r>
+          </a:p>
+          <a:p>
+            <a:pPr marL="342900" indent="-342900">
+              <a:buFont typeface="+mj-lt"/>
+              <a:buAutoNum type="arabicPeriod"/>
+            </a:pPr>
+            <a:r>
+              <a:rPr lang="pt-BR" sz="1400" dirty="0" err="1"/>
+              <a:t>git</a:t>
+            </a:r>
+            <a:r>
+              <a:rPr lang="pt-BR" sz="1400" dirty="0"/>
+              <a:t> checkout </a:t>
+            </a:r>
+            <a:r>
+              <a:rPr lang="pt-BR" sz="1400" dirty="0" err="1"/>
+              <a:t>master</a:t>
+            </a:r>
+            <a:endParaRPr lang="pt-BR" sz="1400" dirty="0"/>
+          </a:p>
+          <a:p>
+            <a:pPr marL="342900" indent="-342900">
+              <a:buFont typeface="+mj-lt"/>
+              <a:buAutoNum type="arabicPeriod"/>
+            </a:pPr>
+            <a:r>
+              <a:rPr lang="pt-BR" sz="1400" dirty="0" err="1"/>
+              <a:t>git</a:t>
+            </a:r>
+            <a:r>
+              <a:rPr lang="pt-BR" sz="1400" dirty="0"/>
+              <a:t> merge </a:t>
+            </a:r>
+            <a:r>
+              <a:rPr lang="pt-BR" sz="1400" dirty="0" err="1"/>
+              <a:t>mytask</a:t>
+            </a:r>
+            <a:endParaRPr lang="pt-BR" sz="1400" dirty="0"/>
+          </a:p>
+          <a:p>
+            <a:pPr marL="342900" indent="-342900">
+              <a:buFont typeface="+mj-lt"/>
+              <a:buAutoNum type="arabicPeriod"/>
+            </a:pPr>
+            <a:r>
+              <a:rPr lang="pt-BR" sz="1400" dirty="0"/>
+              <a:t># </a:t>
+            </a:r>
+            <a:r>
+              <a:rPr lang="pt-BR" sz="1400" dirty="0" err="1"/>
+              <a:t>git</a:t>
+            </a:r>
+            <a:r>
+              <a:rPr lang="pt-BR" sz="1400" dirty="0"/>
+              <a:t> </a:t>
+            </a:r>
+            <a:r>
+              <a:rPr lang="pt-BR" sz="1400" dirty="0" err="1"/>
+              <a:t>fetch</a:t>
+            </a:r>
+            <a:r>
+              <a:rPr lang="pt-BR" sz="1400" dirty="0"/>
+              <a:t> </a:t>
+            </a:r>
+            <a:r>
+              <a:rPr lang="pt-BR" sz="1400" dirty="0" err="1"/>
+              <a:t>origin</a:t>
+            </a:r>
+            <a:r>
+              <a:rPr lang="pt-BR" sz="1400" dirty="0"/>
+              <a:t> (deveria rodar)</a:t>
+            </a:r>
+            <a:endParaRPr lang="pt-BR" sz="1400" dirty="0">
+              <a:solidFill>
+                <a:srgbClr val="00B050"/>
+              </a:solidFill>
+            </a:endParaRPr>
+          </a:p>
+          <a:p>
+            <a:pPr marL="342900" indent="-342900">
+              <a:buFont typeface="+mj-lt"/>
+              <a:buAutoNum type="arabicPeriod"/>
+            </a:pPr>
+            <a:r>
+              <a:rPr lang="pt-BR" sz="1400" dirty="0" err="1"/>
+              <a:t>git</a:t>
+            </a:r>
+            <a:r>
+              <a:rPr lang="pt-BR" sz="1400" dirty="0"/>
+              <a:t> </a:t>
+            </a:r>
+            <a:r>
+              <a:rPr lang="pt-BR" sz="1400" dirty="0" err="1"/>
+              <a:t>push</a:t>
+            </a:r>
+            <a:r>
+              <a:rPr lang="pt-BR" sz="1400" dirty="0"/>
+              <a:t> </a:t>
+            </a:r>
+            <a:r>
+              <a:rPr lang="pt-BR" sz="1400" dirty="0" err="1"/>
+              <a:t>origin</a:t>
+            </a:r>
+            <a:r>
+              <a:rPr lang="pt-BR" sz="1400" dirty="0"/>
+              <a:t> </a:t>
+            </a:r>
+            <a:r>
+              <a:rPr lang="pt-BR" sz="1400" dirty="0" err="1"/>
+              <a:t>master</a:t>
+            </a:r>
+            <a:r>
+              <a:rPr lang="pt-BR" sz="1400" dirty="0"/>
+              <a:t> </a:t>
+            </a:r>
+            <a:r>
+              <a:rPr lang="pt-BR" sz="1400" dirty="0">
+                <a:sym typeface="Wingdings" panose="05000000000000000000" pitchFamily="2" charset="2"/>
+              </a:rPr>
+              <a:t> ok</a:t>
+            </a:r>
+            <a:endParaRPr lang="pt-BR" sz="1400" dirty="0"/>
+          </a:p>
+          <a:p>
+            <a:pPr marL="342900" indent="-342900">
+              <a:buFont typeface="+mj-lt"/>
+              <a:buAutoNum type="arabicPeriod"/>
+            </a:pPr>
+            <a:endParaRPr lang="pt-BR" sz="1400" dirty="0"/>
+          </a:p>
+        </p:txBody>
+      </p:sp>
+      <p:sp>
+        <p:nvSpPr>
+          <p:cNvPr id="6" name="Text Placeholder 5">
+            <a:extLst>
+              <a:ext uri="{FF2B5EF4-FFF2-40B4-BE49-F238E27FC236}">
+                <a16:creationId xmlns:a16="http://schemas.microsoft.com/office/drawing/2014/main" id="{1712CBD2-53C0-4547-8E47-0147EA1C0719}"/>
+              </a:ext>
+            </a:extLst>
+          </p:cNvPr>
+          <p:cNvSpPr>
+            <a:spLocks noGrp="1"/>
+          </p:cNvSpPr>
+          <p:nvPr>
+            <p:ph type="body" sz="quarter" idx="3"/>
+          </p:nvPr>
+        </p:nvSpPr>
+        <p:spPr/>
+        <p:txBody>
+          <a:bodyPr/>
+          <a:lstStyle/>
+          <a:p>
+            <a:r>
+              <a:rPr lang="pt-BR" dirty="0" err="1"/>
+              <a:t>remote</a:t>
+            </a:r>
+            <a:endParaRPr lang="pt-BR" dirty="0"/>
+          </a:p>
+        </p:txBody>
+      </p:sp>
+      <p:sp>
+        <p:nvSpPr>
+          <p:cNvPr id="7" name="Content Placeholder 6">
+            <a:extLst>
+              <a:ext uri="{FF2B5EF4-FFF2-40B4-BE49-F238E27FC236}">
+                <a16:creationId xmlns:a16="http://schemas.microsoft.com/office/drawing/2014/main" id="{E879060D-3DB3-4D22-B4BE-8000E7AF02B1}"/>
+              </a:ext>
+            </a:extLst>
+          </p:cNvPr>
+          <p:cNvSpPr>
+            <a:spLocks noGrp="1"/>
+          </p:cNvSpPr>
+          <p:nvPr>
+            <p:ph sz="quarter" idx="4"/>
+          </p:nvPr>
+        </p:nvSpPr>
+        <p:spPr/>
+        <p:txBody>
+          <a:bodyPr>
+            <a:noAutofit/>
+          </a:bodyPr>
+          <a:lstStyle/>
+          <a:p>
+            <a:pPr marL="342900" indent="-342900">
+              <a:buFont typeface="+mj-lt"/>
+              <a:buAutoNum type="arabicPeriod"/>
+            </a:pPr>
+            <a:r>
+              <a:rPr lang="pt-BR" sz="1400" dirty="0" err="1"/>
+              <a:t>git</a:t>
+            </a:r>
+            <a:r>
+              <a:rPr lang="pt-BR" sz="1400" dirty="0"/>
+              <a:t> checkout -b </a:t>
+            </a:r>
+            <a:r>
+              <a:rPr lang="pt-BR" sz="1400" dirty="0" err="1"/>
+              <a:t>mytask</a:t>
+            </a:r>
+            <a:r>
+              <a:rPr lang="pt-BR" sz="1400" dirty="0"/>
+              <a:t> </a:t>
+            </a:r>
+            <a:r>
+              <a:rPr lang="pt-BR" sz="1400" dirty="0" err="1"/>
+              <a:t>master</a:t>
+            </a:r>
+            <a:endParaRPr lang="pt-BR" sz="1400" dirty="0"/>
+          </a:p>
+          <a:p>
+            <a:pPr marL="342900" indent="-342900">
+              <a:buFont typeface="+mj-lt"/>
+              <a:buAutoNum type="arabicPeriod"/>
+            </a:pPr>
+            <a:r>
+              <a:rPr lang="pt-BR" sz="1400" dirty="0" err="1"/>
+              <a:t>edit</a:t>
+            </a:r>
+            <a:r>
+              <a:rPr lang="pt-BR" sz="1400" dirty="0"/>
+              <a:t> file2.txt</a:t>
+            </a:r>
+          </a:p>
+          <a:p>
+            <a:pPr marL="342900" indent="-342900">
+              <a:buFont typeface="+mj-lt"/>
+              <a:buAutoNum type="arabicPeriod"/>
+            </a:pPr>
+            <a:r>
+              <a:rPr lang="pt-BR" sz="1400" dirty="0" err="1"/>
+              <a:t>git</a:t>
+            </a:r>
+            <a:r>
+              <a:rPr lang="pt-BR" sz="1400" dirty="0"/>
+              <a:t> </a:t>
+            </a:r>
+            <a:r>
+              <a:rPr lang="pt-BR" sz="1400" dirty="0" err="1"/>
+              <a:t>commit</a:t>
+            </a:r>
+            <a:r>
+              <a:rPr lang="pt-BR" sz="1400" dirty="0"/>
+              <a:t> -a -m ‘</a:t>
+            </a:r>
+            <a:r>
+              <a:rPr lang="pt-BR" sz="1400" dirty="0" err="1"/>
+              <a:t>message</a:t>
+            </a:r>
+            <a:r>
+              <a:rPr lang="pt-BR" sz="1400" dirty="0"/>
+              <a:t>’</a:t>
+            </a:r>
+          </a:p>
+          <a:p>
+            <a:pPr marL="342900" indent="-342900">
+              <a:buFont typeface="+mj-lt"/>
+              <a:buAutoNum type="arabicPeriod"/>
+            </a:pPr>
+            <a:r>
+              <a:rPr lang="pt-BR" sz="1400" dirty="0" err="1"/>
+              <a:t>git</a:t>
+            </a:r>
+            <a:r>
+              <a:rPr lang="pt-BR" sz="1400" dirty="0"/>
+              <a:t> checkout </a:t>
+            </a:r>
+            <a:r>
+              <a:rPr lang="pt-BR" sz="1400" dirty="0" err="1"/>
+              <a:t>master</a:t>
+            </a:r>
+            <a:endParaRPr lang="pt-BR" sz="1400" dirty="0"/>
+          </a:p>
+          <a:p>
+            <a:pPr marL="342900" indent="-342900">
+              <a:buFont typeface="+mj-lt"/>
+              <a:buAutoNum type="arabicPeriod"/>
+            </a:pPr>
+            <a:r>
+              <a:rPr lang="pt-BR" sz="1400" dirty="0" err="1"/>
+              <a:t>git</a:t>
+            </a:r>
+            <a:r>
+              <a:rPr lang="pt-BR" sz="1400" dirty="0"/>
+              <a:t> merge </a:t>
+            </a:r>
+            <a:r>
+              <a:rPr lang="pt-BR" sz="1400" dirty="0" err="1"/>
+              <a:t>mytask</a:t>
+            </a:r>
+            <a:endParaRPr lang="pt-BR" sz="1400" dirty="0"/>
+          </a:p>
+          <a:p>
+            <a:pPr marL="342900" indent="-342900">
+              <a:buFont typeface="+mj-lt"/>
+              <a:buAutoNum type="arabicPeriod"/>
+            </a:pPr>
+            <a:r>
+              <a:rPr lang="pt-BR" sz="1400" dirty="0"/>
+              <a:t># </a:t>
+            </a:r>
+            <a:r>
+              <a:rPr lang="pt-BR" sz="1400" dirty="0" err="1"/>
+              <a:t>git</a:t>
+            </a:r>
+            <a:r>
+              <a:rPr lang="pt-BR" sz="1400" dirty="0"/>
+              <a:t> </a:t>
+            </a:r>
+            <a:r>
+              <a:rPr lang="pt-BR" sz="1400" dirty="0" err="1"/>
+              <a:t>fetch</a:t>
+            </a:r>
+            <a:r>
+              <a:rPr lang="pt-BR" sz="1400" dirty="0"/>
+              <a:t> </a:t>
+            </a:r>
+            <a:r>
+              <a:rPr lang="pt-BR" sz="1400" dirty="0" err="1"/>
+              <a:t>origin</a:t>
+            </a:r>
+            <a:r>
+              <a:rPr lang="pt-BR" sz="1400" dirty="0"/>
+              <a:t> (deveria rodar)</a:t>
+            </a:r>
+            <a:endParaRPr lang="pt-BR" sz="1400" dirty="0">
+              <a:solidFill>
+                <a:srgbClr val="FF0000"/>
+              </a:solidFill>
+            </a:endParaRPr>
+          </a:p>
+          <a:p>
+            <a:pPr marL="342900" indent="-342900">
+              <a:buFont typeface="+mj-lt"/>
+              <a:buAutoNum type="arabicPeriod"/>
+            </a:pPr>
+            <a:r>
+              <a:rPr lang="pt-BR" sz="1400" dirty="0" err="1"/>
+              <a:t>git</a:t>
+            </a:r>
+            <a:r>
+              <a:rPr lang="pt-BR" sz="1400" dirty="0"/>
+              <a:t> </a:t>
+            </a:r>
+            <a:r>
+              <a:rPr lang="pt-BR" sz="1400" dirty="0" err="1"/>
+              <a:t>push</a:t>
+            </a:r>
+            <a:r>
+              <a:rPr lang="pt-BR" sz="1400" dirty="0"/>
+              <a:t> </a:t>
+            </a:r>
+            <a:r>
+              <a:rPr lang="pt-BR" sz="1400" dirty="0" err="1"/>
+              <a:t>origin</a:t>
+            </a:r>
+            <a:r>
+              <a:rPr lang="pt-BR" sz="1400" dirty="0"/>
+              <a:t> </a:t>
+            </a:r>
+            <a:r>
+              <a:rPr lang="pt-BR" sz="1400" dirty="0" err="1"/>
+              <a:t>master</a:t>
+            </a:r>
+            <a:r>
+              <a:rPr lang="pt-BR" sz="1400" dirty="0"/>
+              <a:t> </a:t>
+            </a:r>
+            <a:r>
+              <a:rPr lang="pt-BR" sz="1400" dirty="0">
+                <a:sym typeface="Wingdings" panose="05000000000000000000" pitchFamily="2" charset="2"/>
+              </a:rPr>
+              <a:t> erro</a:t>
+            </a:r>
+            <a:endParaRPr lang="pt-BR" sz="1400" dirty="0"/>
+          </a:p>
+          <a:p>
+            <a:pPr marL="342900" indent="-342900">
+              <a:buFont typeface="+mj-lt"/>
+              <a:buAutoNum type="arabicPeriod"/>
+            </a:pPr>
+            <a:r>
+              <a:rPr lang="pt-BR" sz="1400" dirty="0" err="1"/>
+              <a:t>git</a:t>
+            </a:r>
+            <a:r>
+              <a:rPr lang="pt-BR" sz="1400" dirty="0"/>
+              <a:t> </a:t>
+            </a:r>
+            <a:r>
+              <a:rPr lang="pt-BR" sz="1400" dirty="0" err="1"/>
+              <a:t>fetch</a:t>
+            </a:r>
+            <a:r>
+              <a:rPr lang="pt-BR" sz="1400" dirty="0"/>
+              <a:t> </a:t>
+            </a:r>
+            <a:r>
+              <a:rPr lang="pt-BR" sz="1400" dirty="0" err="1"/>
+              <a:t>origin</a:t>
+            </a:r>
+            <a:endParaRPr lang="pt-BR" sz="1400" dirty="0">
+              <a:solidFill>
+                <a:srgbClr val="FF0000"/>
+              </a:solidFill>
+            </a:endParaRPr>
+          </a:p>
+          <a:p>
+            <a:pPr marL="342900" indent="-342900">
+              <a:buFont typeface="+mj-lt"/>
+              <a:buAutoNum type="arabicPeriod"/>
+            </a:pPr>
+            <a:r>
+              <a:rPr lang="pt-BR" sz="1400" dirty="0" err="1"/>
+              <a:t>git</a:t>
+            </a:r>
+            <a:r>
+              <a:rPr lang="pt-BR" sz="1400" dirty="0"/>
+              <a:t> merge </a:t>
+            </a:r>
+            <a:r>
+              <a:rPr lang="pt-BR" sz="1400" dirty="0" err="1"/>
+              <a:t>origin</a:t>
+            </a:r>
+            <a:r>
+              <a:rPr lang="pt-BR" sz="1400" dirty="0"/>
+              <a:t>/</a:t>
+            </a:r>
+            <a:r>
+              <a:rPr lang="pt-BR" sz="1400" dirty="0" err="1"/>
+              <a:t>master</a:t>
+            </a:r>
+            <a:endParaRPr lang="pt-BR" sz="1400" dirty="0"/>
+          </a:p>
+          <a:p>
+            <a:pPr marL="342900" indent="-342900">
+              <a:buFont typeface="+mj-lt"/>
+              <a:buAutoNum type="arabicPeriod"/>
+            </a:pPr>
+            <a:r>
+              <a:rPr lang="pt-BR" sz="1400" dirty="0" err="1"/>
+              <a:t>git</a:t>
+            </a:r>
+            <a:r>
+              <a:rPr lang="pt-BR" sz="1400" dirty="0"/>
+              <a:t> </a:t>
+            </a:r>
+            <a:r>
+              <a:rPr lang="pt-BR" sz="1400" dirty="0" err="1"/>
+              <a:t>push</a:t>
+            </a:r>
+            <a:r>
+              <a:rPr lang="pt-BR" sz="1400" dirty="0"/>
+              <a:t> </a:t>
+            </a:r>
+            <a:r>
+              <a:rPr lang="pt-BR" sz="1400" dirty="0" err="1"/>
+              <a:t>origin</a:t>
+            </a:r>
+            <a:r>
+              <a:rPr lang="pt-BR" sz="1400" dirty="0"/>
+              <a:t> </a:t>
+            </a:r>
+            <a:r>
+              <a:rPr lang="pt-BR" sz="1400" dirty="0" err="1"/>
+              <a:t>master</a:t>
+            </a:r>
+            <a:r>
+              <a:rPr lang="pt-BR" sz="1400" dirty="0"/>
+              <a:t> </a:t>
+            </a:r>
+            <a:r>
+              <a:rPr lang="pt-BR" sz="1400" dirty="0">
+                <a:sym typeface="Wingdings" panose="05000000000000000000" pitchFamily="2" charset="2"/>
+              </a:rPr>
+              <a:t> ok</a:t>
+            </a:r>
+            <a:endParaRPr lang="pt-BR" sz="1400" dirty="0"/>
+          </a:p>
+        </p:txBody>
+      </p:sp>
+    </p:spTree>
+    <p:extLst>
+      <p:ext uri="{BB962C8B-B14F-4D97-AF65-F5344CB8AC3E}">
+        <p14:creationId xmlns:p14="http://schemas.microsoft.com/office/powerpoint/2010/main" val="1896933769"/>
+      </p:ext>
+    </p:extLst>
+  </p:cSld>
+  <p:clrMapOvr>
+    <a:masterClrMapping/>
+  </p:clrMapOvr>
+</p:sld>
+</file>
+
+<file path=ppt/slides/slide91.xml><?xml version="1.0" encoding="utf-8"?>
 <p:sld xmlns:a="http://schemas.openxmlformats.org/drawingml/2006/main" xmlns:r="http://schemas.openxmlformats.org/officeDocument/2006/relationships" xmlns:p="http://schemas.openxmlformats.org/presentationml/2006/main">
   <p:cSld>
     <p:spTree>
@@ -33644,73 +34911,7 @@
 </p:sld>
 </file>
 
-<file path=ppt/slides/slide9.xml><?xml version="1.0" encoding="utf-8"?>
-<p:sld xmlns:a="http://schemas.openxmlformats.org/drawingml/2006/main" xmlns:r="http://schemas.openxmlformats.org/officeDocument/2006/relationships" xmlns:p="http://schemas.openxmlformats.org/presentationml/2006/main">
-  <p:cSld>
-    <p:spTree>
-      <p:nvGrpSpPr>
-        <p:cNvPr id="1" name=""/>
-        <p:cNvGrpSpPr/>
-        <p:nvPr/>
-      </p:nvGrpSpPr>
-      <p:grpSpPr>
-        <a:xfrm>
-          <a:off x="0" y="0"/>
-          <a:ext cx="0" cy="0"/>
-          <a:chOff x="0" y="0"/>
-          <a:chExt cx="0" cy="0"/>
-        </a:xfrm>
-      </p:grpSpPr>
-      <p:pic>
-        <p:nvPicPr>
-          <p:cNvPr id="2" name="Picture 1" descr="A picture containing sky&#10;&#10;Description generated with very high confidence">
-            <a:extLst>
-              <a:ext uri="{FF2B5EF4-FFF2-40B4-BE49-F238E27FC236}">
-                <a16:creationId xmlns:a16="http://schemas.microsoft.com/office/drawing/2014/main" id="{C2BEF2A6-3228-4790-95FF-7F3E9699F913}"/>
-              </a:ext>
-            </a:extLst>
-          </p:cNvPr>
-          <p:cNvPicPr>
-            <a:picLocks noChangeAspect="1"/>
-          </p:cNvPicPr>
-          <p:nvPr/>
-        </p:nvPicPr>
-        <p:blipFill>
-          <a:blip r:embed="rId2">
-            <a:extLst>
-              <a:ext uri="{837473B0-CC2E-450A-ABE3-18F120FF3D39}">
-                <a1611:picAttrSrcUrl xmlns:a1611="http://schemas.microsoft.com/office/drawing/2016/11/main" r:id="rId3"/>
-              </a:ext>
-            </a:extLst>
-          </a:blip>
-          <a:stretch>
-            <a:fillRect/>
-          </a:stretch>
-        </p:blipFill>
-        <p:spPr>
-          <a:xfrm>
-            <a:off x="2729183" y="643467"/>
-            <a:ext cx="6733633" cy="5050225"/>
-          </a:xfrm>
-          <a:prstGeom prst="rect">
-            <a:avLst/>
-          </a:prstGeom>
-        </p:spPr>
-      </p:pic>
-    </p:spTree>
-    <p:extLst>
-      <p:ext uri="{BB962C8B-B14F-4D97-AF65-F5344CB8AC3E}">
-        <p14:creationId xmlns:p14="http://schemas.microsoft.com/office/powerpoint/2010/main" val="2493286836"/>
-      </p:ext>
-    </p:extLst>
-  </p:cSld>
-  <p:clrMapOvr>
-    <a:masterClrMapping/>
-  </p:clrMapOvr>
-</p:sld>
-</file>
-
-<file path=ppt/slides/slide90.xml><?xml version="1.0" encoding="utf-8"?>
+<file path=ppt/slides/slide92.xml><?xml version="1.0" encoding="utf-8"?>
 <p:sld xmlns:a="http://schemas.openxmlformats.org/drawingml/2006/main" xmlns:r="http://schemas.openxmlformats.org/officeDocument/2006/relationships" xmlns:p="http://schemas.openxmlformats.org/presentationml/2006/main">
   <p:cSld>
     <p:spTree>
@@ -33774,7 +34975,7 @@
         <p:spPr/>
         <p:txBody>
           <a:bodyPr>
-            <a:normAutofit/>
+            <a:normAutofit fontScale="92500" lnSpcReduction="20000"/>
           </a:bodyPr>
           <a:lstStyle/>
           <a:p>
@@ -33802,7 +35003,7 @@
             </a:pPr>
             <a:r>
               <a:rPr lang="pt-BR" dirty="0"/>
-              <a:t>Não junte vários </a:t>
+              <a:t>Crie </a:t>
             </a:r>
             <a:r>
               <a:rPr lang="pt-BR" dirty="0" err="1"/>
@@ -33810,7 +35011,7 @@
             </a:r>
             <a:r>
               <a:rPr lang="pt-BR" dirty="0"/>
-              <a:t> em um só.</a:t>
+              <a:t> que possam ser entendidos pela minha avó.</a:t>
             </a:r>
           </a:p>
           <a:p>
@@ -33820,15 +35021,15 @@
             </a:pPr>
             <a:r>
               <a:rPr lang="pt-BR" dirty="0"/>
-              <a:t>Não </a:t>
-            </a:r>
-            <a:r>
-              <a:rPr lang="pt-BR" dirty="0" err="1"/>
-              <a:t>commit</a:t>
-            </a:r>
-            <a:r>
-              <a:rPr lang="pt-BR" dirty="0"/>
-              <a:t> a cada modificação que fizer no arquivo. Espere o código fazer sentido.</a:t>
+              <a:t>Não junte vários </a:t>
+            </a:r>
+            <a:r>
+              <a:rPr lang="pt-BR" dirty="0" err="1"/>
+              <a:t>commits</a:t>
+            </a:r>
+            <a:r>
+              <a:rPr lang="pt-BR" dirty="0"/>
+              <a:t> em um só.</a:t>
             </a:r>
           </a:p>
           <a:p>
@@ -33838,7 +35039,7 @@
             </a:pPr>
             <a:r>
               <a:rPr lang="pt-BR" dirty="0"/>
-              <a:t>Se não tiver um backup do repositório local, </a:t>
+              <a:t>Não </a:t>
             </a:r>
             <a:r>
               <a:rPr lang="pt-BR" dirty="0" err="1"/>
@@ -33846,7 +35047,7 @@
             </a:r>
             <a:r>
               <a:rPr lang="pt-BR" dirty="0"/>
-              <a:t> pelo menos ao final do dia.</a:t>
+              <a:t> a cada modificação que fizer no arquivo. Espere o código fazer sentido.</a:t>
             </a:r>
           </a:p>
           <a:p>
@@ -33854,6 +35055,132 @@
               <a:buFont typeface="Arial" panose="020B0604020202020204" pitchFamily="34" charset="0"/>
               <a:buChar char="•"/>
             </a:pPr>
+            <a:r>
+              <a:rPr lang="pt-BR" dirty="0"/>
+              <a:t>Se não tiver um backup do repositório local, faça </a:t>
+            </a:r>
+            <a:r>
+              <a:rPr lang="pt-BR" dirty="0" err="1"/>
+              <a:t>commit</a:t>
+            </a:r>
+            <a:r>
+              <a:rPr lang="pt-BR" dirty="0"/>
+              <a:t> pelo menos ao final do dia.</a:t>
+            </a:r>
+          </a:p>
+          <a:p>
+            <a:pPr>
+              <a:buFont typeface="Arial" panose="020B0604020202020204" pitchFamily="34" charset="0"/>
+              <a:buChar char="•"/>
+            </a:pPr>
+            <a:r>
+              <a:rPr lang="pt-BR" dirty="0"/>
+              <a:t>Evite usar </a:t>
+            </a:r>
+            <a:r>
+              <a:rPr lang="pt-BR" dirty="0" err="1"/>
+              <a:t>git</a:t>
+            </a:r>
+            <a:r>
+              <a:rPr lang="pt-BR" dirty="0"/>
+              <a:t> </a:t>
+            </a:r>
+            <a:r>
+              <a:rPr lang="pt-BR" dirty="0" err="1"/>
+              <a:t>pull</a:t>
+            </a:r>
+            <a:r>
+              <a:rPr lang="pt-BR" dirty="0"/>
+              <a:t>, use </a:t>
+            </a:r>
+            <a:r>
+              <a:rPr lang="pt-BR" dirty="0" err="1"/>
+              <a:t>git</a:t>
+            </a:r>
+            <a:r>
+              <a:rPr lang="pt-BR" dirty="0"/>
+              <a:t> </a:t>
+            </a:r>
+            <a:r>
+              <a:rPr lang="pt-BR" dirty="0" err="1"/>
+              <a:t>fetch</a:t>
+            </a:r>
+            <a:r>
+              <a:rPr lang="pt-BR" dirty="0"/>
+              <a:t> &amp; </a:t>
+            </a:r>
+            <a:r>
+              <a:rPr lang="pt-BR" dirty="0" err="1"/>
+              <a:t>git</a:t>
+            </a:r>
+            <a:r>
+              <a:rPr lang="pt-BR" dirty="0"/>
+              <a:t> merge.</a:t>
+            </a:r>
+          </a:p>
+          <a:p>
+            <a:pPr>
+              <a:buFont typeface="Arial" panose="020B0604020202020204" pitchFamily="34" charset="0"/>
+              <a:buChar char="•"/>
+            </a:pPr>
+            <a:r>
+              <a:rPr lang="pt-BR" dirty="0"/>
+              <a:t>Evite usar </a:t>
+            </a:r>
+            <a:r>
+              <a:rPr lang="pt-BR" dirty="0" err="1"/>
+              <a:t>git</a:t>
+            </a:r>
+            <a:r>
+              <a:rPr lang="pt-BR" dirty="0"/>
+              <a:t> </a:t>
+            </a:r>
+            <a:r>
+              <a:rPr lang="pt-BR" dirty="0" err="1"/>
+              <a:t>rebase</a:t>
+            </a:r>
+            <a:r>
+              <a:rPr lang="pt-BR" dirty="0"/>
+              <a:t>. Se for usar, não beba!!!</a:t>
+            </a:r>
+          </a:p>
+          <a:p>
+            <a:pPr>
+              <a:buFont typeface="Arial" panose="020B0604020202020204" pitchFamily="34" charset="0"/>
+              <a:buChar char="•"/>
+            </a:pPr>
+            <a:r>
+              <a:rPr lang="pt-BR" dirty="0"/>
+              <a:t>Antes do </a:t>
+            </a:r>
+            <a:r>
+              <a:rPr lang="pt-BR" dirty="0" err="1"/>
+              <a:t>commit</a:t>
+            </a:r>
+            <a:r>
+              <a:rPr lang="pt-BR" dirty="0"/>
+              <a:t>, rode um </a:t>
+            </a:r>
+            <a:r>
+              <a:rPr lang="pt-BR" dirty="0" err="1"/>
+              <a:t>git</a:t>
+            </a:r>
+            <a:r>
+              <a:rPr lang="pt-BR" dirty="0"/>
+              <a:t> </a:t>
+            </a:r>
+            <a:r>
+              <a:rPr lang="pt-BR" dirty="0" err="1"/>
+              <a:t>diff</a:t>
+            </a:r>
+            <a:r>
+              <a:rPr lang="pt-BR" dirty="0"/>
+              <a:t> --</a:t>
+            </a:r>
+            <a:r>
+              <a:rPr lang="pt-BR" dirty="0" err="1"/>
+              <a:t>check</a:t>
+            </a:r>
             <a:endParaRPr lang="pt-BR" dirty="0"/>
           </a:p>
         </p:txBody>
@@ -33957,7 +35284,7 @@
 </p:sld>
 </file>
 
-<file path=ppt/slides/slide91.xml><?xml version="1.0" encoding="utf-8"?>
+<file path=ppt/slides/slide93.xml><?xml version="1.0" encoding="utf-8"?>
 <p:sld xmlns:a="http://schemas.openxmlformats.org/drawingml/2006/main" xmlns:r="http://schemas.openxmlformats.org/officeDocument/2006/relationships" xmlns:p="http://schemas.openxmlformats.org/presentationml/2006/main">
   <p:cSld>
     <p:spTree>
@@ -34128,7 +35455,7 @@
 </p:sld>
 </file>
 
-<file path=ppt/slides/slide92.xml><?xml version="1.0" encoding="utf-8"?>
+<file path=ppt/slides/slide94.xml><?xml version="1.0" encoding="utf-8"?>
 <p:sld xmlns:a="http://schemas.openxmlformats.org/drawingml/2006/main" xmlns:r="http://schemas.openxmlformats.org/officeDocument/2006/relationships" xmlns:p="http://schemas.openxmlformats.org/presentationml/2006/main">
   <p:cSld>
     <p:spTree>
